--- a/Script/IndependentProject_MCRData.pptx
+++ b/Script/IndependentProject_MCRData.pptx
@@ -1,6 +1,6 @@
 
 <file path=ppt/presentation.xml><?xml version="1.0" encoding="utf-8"?>
-<p:presentation xmlns:a="http://schemas.openxmlformats.org/drawingml/2006/main" xmlns:r="http://schemas.openxmlformats.org/officeDocument/2006/relationships" xmlns:p="http://schemas.openxmlformats.org/presentationml/2006/main" saveSubsetFonts="1" autoCompressPictures="0">
+<p:presentation xmlns:a="http://schemas.openxmlformats.org/drawingml/2006/main" xmlns:p="http://schemas.openxmlformats.org/presentationml/2006/main" xmlns:r="http://schemas.openxmlformats.org/officeDocument/2006/relationships" autoCompressPictures="0" saveSubsetFonts="1">
   <p:sldMasterIdLst>
     <p:sldMasterId id="2147483648" r:id="rId1"/>
   </p:sldMasterIdLst>
@@ -11,6 +11,12 @@
     <p:sldId id="259" r:id="rId5"/>
     <p:sldId id="260" r:id="rId6"/>
     <p:sldId id="261" r:id="rId7"/>
+    <p:sldId id="262" r:id="rId8"/>
+    <p:sldId id="263" r:id="rId9"/>
+    <p:sldId id="264" r:id="rId10"/>
+    <p:sldId id="265" r:id="rId11"/>
+    <p:sldId id="266" r:id="rId12"/>
+    <p:sldId id="267" r:id="rId13"/>
   </p:sldIdLst>
   <p:sldSz cx="9144000" cy="5143500" type="screen16x9"/>
   <p:notesSz cx="6858000" cy="9144000"/>
@@ -18,8 +24,8 @@
     <a:defPPr>
       <a:defRPr lang="en-US"/>
     </a:defPPr>
-    <a:lvl1pPr marL="0" algn="l" defTabSz="457200" rtl="0" eaLnBrk="1" latinLnBrk="0" hangingPunct="1">
-      <a:defRPr sz="1800" kern="1200">
+    <a:lvl1pPr algn="l" defTabSz="457200" eaLnBrk="1" hangingPunct="1" latinLnBrk="0" marL="0" rtl="0">
+      <a:defRPr kern="1200" sz="1800">
         <a:solidFill>
           <a:schemeClr val="tx1"/>
         </a:solidFill>
@@ -28,8 +34,8 @@
         <a:cs typeface="+mn-cs"/>
       </a:defRPr>
     </a:lvl1pPr>
-    <a:lvl2pPr marL="457200" algn="l" defTabSz="457200" rtl="0" eaLnBrk="1" latinLnBrk="0" hangingPunct="1">
-      <a:defRPr sz="1800" kern="1200">
+    <a:lvl2pPr algn="l" defTabSz="457200" eaLnBrk="1" hangingPunct="1" latinLnBrk="0" marL="457200" rtl="0">
+      <a:defRPr kern="1200" sz="1800">
         <a:solidFill>
           <a:schemeClr val="tx1"/>
         </a:solidFill>
@@ -38,8 +44,8 @@
         <a:cs typeface="+mn-cs"/>
       </a:defRPr>
     </a:lvl2pPr>
-    <a:lvl3pPr marL="914400" algn="l" defTabSz="457200" rtl="0" eaLnBrk="1" latinLnBrk="0" hangingPunct="1">
-      <a:defRPr sz="1800" kern="1200">
+    <a:lvl3pPr algn="l" defTabSz="457200" eaLnBrk="1" hangingPunct="1" latinLnBrk="0" marL="914400" rtl="0">
+      <a:defRPr kern="1200" sz="1800">
         <a:solidFill>
           <a:schemeClr val="tx1"/>
         </a:solidFill>
@@ -48,8 +54,8 @@
         <a:cs typeface="+mn-cs"/>
       </a:defRPr>
     </a:lvl3pPr>
-    <a:lvl4pPr marL="1371600" algn="l" defTabSz="457200" rtl="0" eaLnBrk="1" latinLnBrk="0" hangingPunct="1">
-      <a:defRPr sz="1800" kern="1200">
+    <a:lvl4pPr algn="l" defTabSz="457200" eaLnBrk="1" hangingPunct="1" latinLnBrk="0" marL="1371600" rtl="0">
+      <a:defRPr kern="1200" sz="1800">
         <a:solidFill>
           <a:schemeClr val="tx1"/>
         </a:solidFill>
@@ -58,8 +64,8 @@
         <a:cs typeface="+mn-cs"/>
       </a:defRPr>
     </a:lvl4pPr>
-    <a:lvl5pPr marL="1828800" algn="l" defTabSz="457200" rtl="0" eaLnBrk="1" latinLnBrk="0" hangingPunct="1">
-      <a:defRPr sz="1800" kern="1200">
+    <a:lvl5pPr algn="l" defTabSz="457200" eaLnBrk="1" hangingPunct="1" latinLnBrk="0" marL="1828800" rtl="0">
+      <a:defRPr kern="1200" sz="1800">
         <a:solidFill>
           <a:schemeClr val="tx1"/>
         </a:solidFill>
@@ -68,8 +74,8 @@
         <a:cs typeface="+mn-cs"/>
       </a:defRPr>
     </a:lvl5pPr>
-    <a:lvl6pPr marL="2286000" algn="l" defTabSz="457200" rtl="0" eaLnBrk="1" latinLnBrk="0" hangingPunct="1">
-      <a:defRPr sz="1800" kern="1200">
+    <a:lvl6pPr algn="l" defTabSz="457200" eaLnBrk="1" hangingPunct="1" latinLnBrk="0" marL="2286000" rtl="0">
+      <a:defRPr kern="1200" sz="1800">
         <a:solidFill>
           <a:schemeClr val="tx1"/>
         </a:solidFill>
@@ -78,8 +84,8 @@
         <a:cs typeface="+mn-cs"/>
       </a:defRPr>
     </a:lvl6pPr>
-    <a:lvl7pPr marL="2743200" algn="l" defTabSz="457200" rtl="0" eaLnBrk="1" latinLnBrk="0" hangingPunct="1">
-      <a:defRPr sz="1800" kern="1200">
+    <a:lvl7pPr algn="l" defTabSz="457200" eaLnBrk="1" hangingPunct="1" latinLnBrk="0" marL="2743200" rtl="0">
+      <a:defRPr kern="1200" sz="1800">
         <a:solidFill>
           <a:schemeClr val="tx1"/>
         </a:solidFill>
@@ -88,8 +94,8 @@
         <a:cs typeface="+mn-cs"/>
       </a:defRPr>
     </a:lvl7pPr>
-    <a:lvl8pPr marL="3200400" algn="l" defTabSz="457200" rtl="0" eaLnBrk="1" latinLnBrk="0" hangingPunct="1">
-      <a:defRPr sz="1800" kern="1200">
+    <a:lvl8pPr algn="l" defTabSz="457200" eaLnBrk="1" hangingPunct="1" latinLnBrk="0" marL="3200400" rtl="0">
+      <a:defRPr kern="1200" sz="1800">
         <a:solidFill>
           <a:schemeClr val="tx1"/>
         </a:solidFill>
@@ -98,8 +104,8 @@
         <a:cs typeface="+mn-cs"/>
       </a:defRPr>
     </a:lvl8pPr>
-    <a:lvl9pPr marL="3657600" algn="l" defTabSz="457200" rtl="0" eaLnBrk="1" latinLnBrk="0" hangingPunct="1">
-      <a:defRPr sz="1800" kern="1200">
+    <a:lvl9pPr algn="l" defTabSz="457200" eaLnBrk="1" hangingPunct="1" latinLnBrk="0" marL="3657600" rtl="0">
+      <a:defRPr kern="1200" sz="1800">
         <a:solidFill>
           <a:schemeClr val="tx1"/>
         </a:solidFill>
@@ -307,7 +313,7 @@
           <a:p>
             <a:fld id="{241EB5C9-1307-BA42-ABA2-0BC069CD8E7F}" type="datetimeFigureOut">
               <a:rPr lang="en-US" smtClean="0"/>
-              <a:t>5/1/23</a:t>
+              <a:t>1/2/22</a:t>
             </a:fld>
             <a:endParaRPr lang="en-US"/>
           </a:p>
@@ -475,7 +481,7 @@
           <a:p>
             <a:fld id="{241EB5C9-1307-BA42-ABA2-0BC069CD8E7F}" type="datetimeFigureOut">
               <a:rPr lang="en-US" smtClean="0"/>
-              <a:t>5/1/23</a:t>
+              <a:t>1/2/22</a:t>
             </a:fld>
             <a:endParaRPr lang="en-US"/>
           </a:p>
@@ -653,7 +659,7 @@
           <a:p>
             <a:fld id="{241EB5C9-1307-BA42-ABA2-0BC069CD8E7F}" type="datetimeFigureOut">
               <a:rPr lang="en-US" smtClean="0"/>
-              <a:t>5/1/23</a:t>
+              <a:t>1/2/22</a:t>
             </a:fld>
             <a:endParaRPr lang="en-US"/>
           </a:p>
@@ -821,7 +827,7 @@
           <a:p>
             <a:fld id="{241EB5C9-1307-BA42-ABA2-0BC069CD8E7F}" type="datetimeFigureOut">
               <a:rPr lang="en-US" smtClean="0"/>
-              <a:t>5/1/23</a:t>
+              <a:t>1/2/22</a:t>
             </a:fld>
             <a:endParaRPr lang="en-US"/>
           </a:p>
@@ -1066,7 +1072,7 @@
           <a:p>
             <a:fld id="{241EB5C9-1307-BA42-ABA2-0BC069CD8E7F}" type="datetimeFigureOut">
               <a:rPr lang="en-US" smtClean="0"/>
-              <a:t>5/1/23</a:t>
+              <a:t>1/2/22</a:t>
             </a:fld>
             <a:endParaRPr lang="en-US"/>
           </a:p>
@@ -1351,7 +1357,7 @@
           <a:p>
             <a:fld id="{241EB5C9-1307-BA42-ABA2-0BC069CD8E7F}" type="datetimeFigureOut">
               <a:rPr lang="en-US" smtClean="0"/>
-              <a:t>5/1/23</a:t>
+              <a:t>1/2/22</a:t>
             </a:fld>
             <a:endParaRPr lang="en-US"/>
           </a:p>
@@ -1770,7 +1776,7 @@
           <a:p>
             <a:fld id="{241EB5C9-1307-BA42-ABA2-0BC069CD8E7F}" type="datetimeFigureOut">
               <a:rPr lang="en-US" smtClean="0"/>
-              <a:t>5/1/23</a:t>
+              <a:t>1/2/22</a:t>
             </a:fld>
             <a:endParaRPr lang="en-US"/>
           </a:p>
@@ -1887,7 +1893,7 @@
           <a:p>
             <a:fld id="{241EB5C9-1307-BA42-ABA2-0BC069CD8E7F}" type="datetimeFigureOut">
               <a:rPr lang="en-US" smtClean="0"/>
-              <a:t>5/1/23</a:t>
+              <a:t>1/2/22</a:t>
             </a:fld>
             <a:endParaRPr lang="en-US"/>
           </a:p>
@@ -1982,7 +1988,7 @@
           <a:p>
             <a:fld id="{241EB5C9-1307-BA42-ABA2-0BC069CD8E7F}" type="datetimeFigureOut">
               <a:rPr lang="en-US" smtClean="0"/>
-              <a:t>5/1/23</a:t>
+              <a:t>1/2/22</a:t>
             </a:fld>
             <a:endParaRPr lang="en-US"/>
           </a:p>
@@ -2257,7 +2263,7 @@
           <a:p>
             <a:fld id="{241EB5C9-1307-BA42-ABA2-0BC069CD8E7F}" type="datetimeFigureOut">
               <a:rPr lang="en-US" smtClean="0"/>
-              <a:t>5/1/23</a:t>
+              <a:t>1/2/22</a:t>
             </a:fld>
             <a:endParaRPr lang="en-US"/>
           </a:p>
@@ -2509,7 +2515,7 @@
           <a:p>
             <a:fld id="{241EB5C9-1307-BA42-ABA2-0BC069CD8E7F}" type="datetimeFigureOut">
               <a:rPr lang="en-US" smtClean="0"/>
-              <a:t>5/1/23</a:t>
+              <a:t>1/2/22</a:t>
             </a:fld>
             <a:endParaRPr lang="en-US"/>
           </a:p>
@@ -2571,7 +2577,7 @@
 </file>
 
 <file path=ppt/slideMasters/slideMaster1.xml><?xml version="1.0" encoding="utf-8"?>
-<p:sldMaster xmlns:a="http://schemas.openxmlformats.org/drawingml/2006/main" xmlns:r="http://schemas.openxmlformats.org/officeDocument/2006/relationships" xmlns:p="http://schemas.openxmlformats.org/presentationml/2006/main">
+<p:sldMaster xmlns:a="http://schemas.openxmlformats.org/drawingml/2006/main" xmlns:p="http://schemas.openxmlformats.org/presentationml/2006/main" xmlns:r="http://schemas.openxmlformats.org/officeDocument/2006/relationships">
   <p:cSld>
     <p:bg>
       <p:bgRef idx="1001">
@@ -2612,7 +2618,7 @@
           </a:prstGeom>
         </p:spPr>
         <p:txBody>
-          <a:bodyPr vert="horz" lIns="91440" tIns="45720" rIns="91440" bIns="45720" rtlCol="0" anchor="ctr">
+          <a:bodyPr anchor="ctr" bIns="45720" lIns="91440" rIns="91440" rtlCol="0" tIns="45720" vert="horz">
             <a:normAutofit/>
           </a:bodyPr>
           <a:lstStyle/>
@@ -2631,7 +2637,7 @@
             <a:spLocks noGrp="1"/>
           </p:cNvSpPr>
           <p:nvPr>
-            <p:ph type="body" idx="1"/>
+            <p:ph idx="1" type="body"/>
           </p:nvPr>
         </p:nvSpPr>
         <p:spPr>
@@ -2644,7 +2650,7 @@
           </a:prstGeom>
         </p:spPr>
         <p:txBody>
-          <a:bodyPr vert="horz" lIns="91440" tIns="45720" rIns="91440" bIns="45720" rtlCol="0">
+          <a:bodyPr bIns="45720" lIns="91440" rIns="91440" rtlCol="0" tIns="45720" vert="horz">
             <a:normAutofit/>
           </a:bodyPr>
           <a:lstStyle/>
@@ -2692,7 +2698,7 @@
             <a:spLocks noGrp="1"/>
           </p:cNvSpPr>
           <p:nvPr>
-            <p:ph type="dt" sz="half" idx="2"/>
+            <p:ph idx="2" sz="half" type="dt"/>
           </p:nvPr>
         </p:nvSpPr>
         <p:spPr>
@@ -2705,7 +2711,7 @@
           </a:prstGeom>
         </p:spPr>
         <p:txBody>
-          <a:bodyPr vert="horz" lIns="91440" tIns="45720" rIns="91440" bIns="45720" rtlCol="0" anchor="ctr"/>
+          <a:bodyPr anchor="ctr" bIns="45720" lIns="91440" rIns="91440" rtlCol="0" tIns="45720" vert="horz"/>
           <a:lstStyle>
             <a:lvl1pPr algn="l">
               <a:defRPr sz="900">
@@ -2720,7 +2726,7 @@
           <a:p>
             <a:fld id="{241EB5C9-1307-BA42-ABA2-0BC069CD8E7F}" type="datetimeFigureOut">
               <a:rPr lang="en-US" smtClean="0"/>
-              <a:t>5/1/23</a:t>
+              <a:t>1/2/22</a:t>
             </a:fld>
             <a:endParaRPr lang="en-US"/>
           </a:p>
@@ -2733,7 +2739,7 @@
             <a:spLocks noGrp="1"/>
           </p:cNvSpPr>
           <p:nvPr>
-            <p:ph type="ftr" sz="quarter" idx="3"/>
+            <p:ph idx="3" sz="quarter" type="ftr"/>
           </p:nvPr>
         </p:nvSpPr>
         <p:spPr>
@@ -2746,7 +2752,7 @@
           </a:prstGeom>
         </p:spPr>
         <p:txBody>
-          <a:bodyPr vert="horz" lIns="91440" tIns="45720" rIns="91440" bIns="45720" rtlCol="0" anchor="ctr"/>
+          <a:bodyPr anchor="ctr" bIns="45720" lIns="91440" rIns="91440" rtlCol="0" tIns="45720" vert="horz"/>
           <a:lstStyle>
             <a:lvl1pPr algn="ctr">
               <a:defRPr sz="900">
@@ -2770,7 +2776,7 @@
             <a:spLocks noGrp="1"/>
           </p:cNvSpPr>
           <p:nvPr>
-            <p:ph type="sldNum" sz="quarter" idx="4"/>
+            <p:ph idx="4" sz="quarter" type="sldNum"/>
           </p:nvPr>
         </p:nvSpPr>
         <p:spPr>
@@ -2783,7 +2789,7 @@
           </a:prstGeom>
         </p:spPr>
         <p:txBody>
-          <a:bodyPr vert="horz" lIns="91440" tIns="45720" rIns="91440" bIns="45720" rtlCol="0" anchor="ctr"/>
+          <a:bodyPr anchor="ctr" bIns="45720" lIns="91440" rIns="91440" rtlCol="0" tIns="45720" vert="horz"/>
           <a:lstStyle>
             <a:lvl1pPr algn="r">
               <a:defRPr sz="900">
@@ -2811,7 +2817,7 @@
       </p:ext>
     </p:extLst>
   </p:cSld>
-  <p:clrMap bg1="lt1" tx1="dk1" bg2="lt2" tx2="dk2" accent1="accent1" accent2="accent2" accent3="accent3" accent4="accent4" accent5="accent5" accent6="accent6" hlink="hlink" folHlink="folHlink"/>
+  <p:clrMap accent1="accent1" accent2="accent2" accent3="accent3" accent4="accent4" accent5="accent5" accent6="accent6" bg1="lt1" bg2="lt2" folHlink="folHlink" hlink="hlink" tx1="dk1" tx2="dk2"/>
   <p:sldLayoutIdLst>
     <p:sldLayoutId id="2147483649" r:id="rId1"/>
     <p:sldLayoutId id="2147483650" r:id="rId2"/>
@@ -2827,12 +2833,12 @@
   </p:sldLayoutIdLst>
   <p:txStyles>
     <p:titleStyle>
-      <a:lvl1pPr algn="ctr" defTabSz="342900" rtl="0" eaLnBrk="1" latinLnBrk="0" hangingPunct="1">
+      <a:lvl1pPr algn="ctr" defTabSz="342900" eaLnBrk="1" hangingPunct="1" latinLnBrk="0" rtl="0">
         <a:spcBef>
           <a:spcPct val="0"/>
         </a:spcBef>
         <a:buNone/>
-        <a:defRPr sz="3300" kern="1200">
+        <a:defRPr kern="1200" sz="3300">
           <a:solidFill>
             <a:schemeClr val="tx1"/>
           </a:solidFill>
@@ -2843,13 +2849,13 @@
       </a:lvl1pPr>
     </p:titleStyle>
     <p:bodyStyle>
-      <a:lvl1pPr marL="342900" indent="-342900" algn="l" defTabSz="342900" rtl="0" eaLnBrk="1" latinLnBrk="0" hangingPunct="1">
+      <a:lvl1pPr algn="l" defTabSz="342900" eaLnBrk="1" hangingPunct="1" indent="-342900" latinLnBrk="0" marL="342900" rtl="0">
         <a:spcBef>
           <a:spcPct val="20000"/>
         </a:spcBef>
         <a:buFont typeface="Arial"/>
         <a:buChar char="•"/>
-        <a:defRPr sz="2400" kern="1200">
+        <a:defRPr kern="1200" sz="2400">
           <a:solidFill>
             <a:schemeClr val="tx1"/>
           </a:solidFill>
@@ -2858,13 +2864,13 @@
           <a:cs typeface="+mn-cs"/>
         </a:defRPr>
       </a:lvl1pPr>
-      <a:lvl2pPr marL="685800" indent="-342900" algn="l" defTabSz="342900" rtl="0" eaLnBrk="1" latinLnBrk="0" hangingPunct="1">
+      <a:lvl2pPr algn="l" defTabSz="342900" eaLnBrk="1" hangingPunct="1" indent="-342900" latinLnBrk="0" marL="685800" rtl="0">
         <a:spcBef>
           <a:spcPct val="20000"/>
         </a:spcBef>
         <a:buFont typeface="Arial"/>
         <a:buChar char="–"/>
-        <a:defRPr sz="2100" kern="1200">
+        <a:defRPr kern="1200" sz="2100">
           <a:solidFill>
             <a:schemeClr val="tx1"/>
           </a:solidFill>
@@ -2873,13 +2879,13 @@
           <a:cs typeface="+mn-cs"/>
         </a:defRPr>
       </a:lvl2pPr>
-      <a:lvl3pPr marL="1028700" indent="-342900" algn="l" defTabSz="342900" rtl="0" eaLnBrk="1" latinLnBrk="0" hangingPunct="1">
+      <a:lvl3pPr algn="l" defTabSz="342900" eaLnBrk="1" hangingPunct="1" indent="-342900" latinLnBrk="0" marL="1028700" rtl="0">
         <a:spcBef>
           <a:spcPct val="20000"/>
         </a:spcBef>
         <a:buFont typeface="Arial"/>
         <a:buChar char="•"/>
-        <a:defRPr sz="1800" kern="1200">
+        <a:defRPr kern="1200" sz="1800">
           <a:solidFill>
             <a:schemeClr val="tx1"/>
           </a:solidFill>
@@ -2888,13 +2894,13 @@
           <a:cs typeface="+mn-cs"/>
         </a:defRPr>
       </a:lvl3pPr>
-      <a:lvl4pPr marL="1371600" indent="-342900" algn="l" defTabSz="342900" rtl="0" eaLnBrk="1" latinLnBrk="0" hangingPunct="1">
+      <a:lvl4pPr algn="l" defTabSz="342900" eaLnBrk="1" hangingPunct="1" indent="-342900" latinLnBrk="0" marL="1371600" rtl="0">
         <a:spcBef>
           <a:spcPct val="20000"/>
         </a:spcBef>
         <a:buFont typeface="Arial"/>
         <a:buChar char="–"/>
-        <a:defRPr sz="1500" kern="1200">
+        <a:defRPr kern="1200" sz="1500">
           <a:solidFill>
             <a:schemeClr val="tx1"/>
           </a:solidFill>
@@ -2903,13 +2909,13 @@
           <a:cs typeface="+mn-cs"/>
         </a:defRPr>
       </a:lvl4pPr>
-      <a:lvl5pPr marL="1714500" indent="-342900" algn="l" defTabSz="342900" rtl="0" eaLnBrk="1" latinLnBrk="0" hangingPunct="1">
+      <a:lvl5pPr algn="l" defTabSz="342900" eaLnBrk="1" hangingPunct="1" indent="-342900" latinLnBrk="0" marL="1714500" rtl="0">
         <a:spcBef>
           <a:spcPct val="20000"/>
         </a:spcBef>
         <a:buFont typeface="Arial"/>
         <a:buChar char="»"/>
-        <a:defRPr sz="1500" kern="1200">
+        <a:defRPr kern="1200" sz="1500">
           <a:solidFill>
             <a:schemeClr val="tx1"/>
           </a:solidFill>
@@ -2918,13 +2924,13 @@
           <a:cs typeface="+mn-cs"/>
         </a:defRPr>
       </a:lvl5pPr>
-      <a:lvl6pPr marL="2057400" indent="-342900" algn="l" defTabSz="342900" rtl="0" eaLnBrk="1" latinLnBrk="0" hangingPunct="1">
+      <a:lvl6pPr algn="l" defTabSz="342900" eaLnBrk="1" hangingPunct="1" indent="-342900" latinLnBrk="0" marL="2057400" rtl="0">
         <a:spcBef>
           <a:spcPct val="20000"/>
         </a:spcBef>
         <a:buFont typeface="Arial"/>
         <a:buChar char="•"/>
-        <a:defRPr sz="1500" kern="1200">
+        <a:defRPr kern="1200" sz="1500">
           <a:solidFill>
             <a:schemeClr val="tx1"/>
           </a:solidFill>
@@ -2933,13 +2939,13 @@
           <a:cs typeface="+mn-cs"/>
         </a:defRPr>
       </a:lvl6pPr>
-      <a:lvl7pPr marL="2400300" indent="-342900" algn="l" defTabSz="342900" rtl="0" eaLnBrk="1" latinLnBrk="0" hangingPunct="1">
+      <a:lvl7pPr algn="l" defTabSz="342900" eaLnBrk="1" hangingPunct="1" indent="-342900" latinLnBrk="0" marL="2400300" rtl="0">
         <a:spcBef>
           <a:spcPct val="20000"/>
         </a:spcBef>
         <a:buFont typeface="Arial"/>
         <a:buChar char="•"/>
-        <a:defRPr sz="1500" kern="1200">
+        <a:defRPr kern="1200" sz="1500">
           <a:solidFill>
             <a:schemeClr val="tx1"/>
           </a:solidFill>
@@ -2948,13 +2954,13 @@
           <a:cs typeface="+mn-cs"/>
         </a:defRPr>
       </a:lvl7pPr>
-      <a:lvl8pPr marL="2743200" indent="-342900" algn="l" defTabSz="342900" rtl="0" eaLnBrk="1" latinLnBrk="0" hangingPunct="1">
+      <a:lvl8pPr algn="l" defTabSz="342900" eaLnBrk="1" hangingPunct="1" indent="-342900" latinLnBrk="0" marL="2743200" rtl="0">
         <a:spcBef>
           <a:spcPct val="20000"/>
         </a:spcBef>
         <a:buFont typeface="Arial"/>
         <a:buChar char="•"/>
-        <a:defRPr sz="1500" kern="1200">
+        <a:defRPr kern="1200" sz="1500">
           <a:solidFill>
             <a:schemeClr val="tx1"/>
           </a:solidFill>
@@ -2963,13 +2969,13 @@
           <a:cs typeface="+mn-cs"/>
         </a:defRPr>
       </a:lvl8pPr>
-      <a:lvl9pPr marL="3086100" indent="-342900" algn="l" defTabSz="342900" rtl="0" eaLnBrk="1" latinLnBrk="0" hangingPunct="1">
+      <a:lvl9pPr algn="l" defTabSz="342900" eaLnBrk="1" hangingPunct="1" indent="-342900" latinLnBrk="0" marL="3086100" rtl="0">
         <a:spcBef>
           <a:spcPct val="20000"/>
         </a:spcBef>
         <a:buFont typeface="Arial"/>
         <a:buChar char="•"/>
-        <a:defRPr sz="1500" kern="1200">
+        <a:defRPr kern="1200" sz="1500">
           <a:solidFill>
             <a:schemeClr val="tx1"/>
           </a:solidFill>
@@ -2983,8 +2989,8 @@
       <a:defPPr>
         <a:defRPr lang="en-US"/>
       </a:defPPr>
-      <a:lvl1pPr marL="0" algn="l" defTabSz="342900" rtl="0" eaLnBrk="1" latinLnBrk="0" hangingPunct="1">
-        <a:defRPr sz="1350" kern="1200">
+      <a:lvl1pPr algn="l" defTabSz="342900" eaLnBrk="1" hangingPunct="1" latinLnBrk="0" marL="0" rtl="0">
+        <a:defRPr kern="1200" sz="1350">
           <a:solidFill>
             <a:schemeClr val="tx1"/>
           </a:solidFill>
@@ -2993,8 +2999,8 @@
           <a:cs typeface="+mn-cs"/>
         </a:defRPr>
       </a:lvl1pPr>
-      <a:lvl2pPr marL="342900" algn="l" defTabSz="342900" rtl="0" eaLnBrk="1" latinLnBrk="0" hangingPunct="1">
-        <a:defRPr sz="1350" kern="1200">
+      <a:lvl2pPr algn="l" defTabSz="342900" eaLnBrk="1" hangingPunct="1" latinLnBrk="0" marL="342900" rtl="0">
+        <a:defRPr kern="1200" sz="1350">
           <a:solidFill>
             <a:schemeClr val="tx1"/>
           </a:solidFill>
@@ -3003,8 +3009,8 @@
           <a:cs typeface="+mn-cs"/>
         </a:defRPr>
       </a:lvl2pPr>
-      <a:lvl3pPr marL="685800" algn="l" defTabSz="342900" rtl="0" eaLnBrk="1" latinLnBrk="0" hangingPunct="1">
-        <a:defRPr sz="1350" kern="1200">
+      <a:lvl3pPr algn="l" defTabSz="342900" eaLnBrk="1" hangingPunct="1" latinLnBrk="0" marL="685800" rtl="0">
+        <a:defRPr kern="1200" sz="1350">
           <a:solidFill>
             <a:schemeClr val="tx1"/>
           </a:solidFill>
@@ -3013,8 +3019,8 @@
           <a:cs typeface="+mn-cs"/>
         </a:defRPr>
       </a:lvl3pPr>
-      <a:lvl4pPr marL="1028700" algn="l" defTabSz="342900" rtl="0" eaLnBrk="1" latinLnBrk="0" hangingPunct="1">
-        <a:defRPr sz="1350" kern="1200">
+      <a:lvl4pPr algn="l" defTabSz="342900" eaLnBrk="1" hangingPunct="1" latinLnBrk="0" marL="1028700" rtl="0">
+        <a:defRPr kern="1200" sz="1350">
           <a:solidFill>
             <a:schemeClr val="tx1"/>
           </a:solidFill>
@@ -3023,8 +3029,8 @@
           <a:cs typeface="+mn-cs"/>
         </a:defRPr>
       </a:lvl4pPr>
-      <a:lvl5pPr marL="1371600" algn="l" defTabSz="342900" rtl="0" eaLnBrk="1" latinLnBrk="0" hangingPunct="1">
-        <a:defRPr sz="1350" kern="1200">
+      <a:lvl5pPr algn="l" defTabSz="342900" eaLnBrk="1" hangingPunct="1" latinLnBrk="0" marL="1371600" rtl="0">
+        <a:defRPr kern="1200" sz="1350">
           <a:solidFill>
             <a:schemeClr val="tx1"/>
           </a:solidFill>
@@ -3033,8 +3039,8 @@
           <a:cs typeface="+mn-cs"/>
         </a:defRPr>
       </a:lvl5pPr>
-      <a:lvl6pPr marL="1714500" algn="l" defTabSz="342900" rtl="0" eaLnBrk="1" latinLnBrk="0" hangingPunct="1">
-        <a:defRPr sz="1350" kern="1200">
+      <a:lvl6pPr algn="l" defTabSz="342900" eaLnBrk="1" hangingPunct="1" latinLnBrk="0" marL="1714500" rtl="0">
+        <a:defRPr kern="1200" sz="1350">
           <a:solidFill>
             <a:schemeClr val="tx1"/>
           </a:solidFill>
@@ -3043,8 +3049,8 @@
           <a:cs typeface="+mn-cs"/>
         </a:defRPr>
       </a:lvl6pPr>
-      <a:lvl7pPr marL="2057400" algn="l" defTabSz="342900" rtl="0" eaLnBrk="1" latinLnBrk="0" hangingPunct="1">
-        <a:defRPr sz="1350" kern="1200">
+      <a:lvl7pPr algn="l" defTabSz="342900" eaLnBrk="1" hangingPunct="1" latinLnBrk="0" marL="2057400" rtl="0">
+        <a:defRPr kern="1200" sz="1350">
           <a:solidFill>
             <a:schemeClr val="tx1"/>
           </a:solidFill>
@@ -3053,8 +3059,8 @@
           <a:cs typeface="+mn-cs"/>
         </a:defRPr>
       </a:lvl7pPr>
-      <a:lvl8pPr marL="2400300" algn="l" defTabSz="342900" rtl="0" eaLnBrk="1" latinLnBrk="0" hangingPunct="1">
-        <a:defRPr sz="1350" kern="1200">
+      <a:lvl8pPr algn="l" defTabSz="342900" eaLnBrk="1" hangingPunct="1" latinLnBrk="0" marL="2400300" rtl="0">
+        <a:defRPr kern="1200" sz="1350">
           <a:solidFill>
             <a:schemeClr val="tx1"/>
           </a:solidFill>
@@ -3063,8 +3069,8 @@
           <a:cs typeface="+mn-cs"/>
         </a:defRPr>
       </a:lvl8pPr>
-      <a:lvl9pPr marL="2743200" algn="l" defTabSz="342900" rtl="0" eaLnBrk="1" latinLnBrk="0" hangingPunct="1">
-        <a:defRPr sz="1350" kern="1200">
+      <a:lvl9pPr algn="l" defTabSz="342900" eaLnBrk="1" hangingPunct="1" latinLnBrk="0" marL="2743200" rtl="0">
+        <a:defRPr kern="1200" sz="1350">
           <a:solidFill>
             <a:schemeClr val="tx1"/>
           </a:solidFill>
@@ -3115,10 +3121,11 @@
           <a:bodyPr/>
           <a:lstStyle/>
           <a:p>
-            <a:pPr marL="0" lvl="0" indent="0">
+            <a:pPr lvl="0" indent="0" marL="0">
               <a:buNone/>
             </a:pPr>
             <a:r>
+              <a:rPr/>
               <a:t>Coral Recruitment Patterns in Different Reef Environments</a:t>
             </a:r>
           </a:p>
@@ -3131,7 +3138,7 @@
             <a:spLocks noGrp="1"/>
           </p:cNvSpPr>
           <p:nvPr>
-            <p:ph type="subTitle" idx="1"/>
+            <p:ph idx="1" type="subTitle"/>
           </p:nvPr>
         </p:nvSpPr>
         <p:spPr>
@@ -3144,12 +3151,13 @@
           <a:bodyPr/>
           <a:lstStyle/>
           <a:p>
-            <a:pPr marL="0" lvl="0" indent="0">
+            <a:pPr lvl="0" indent="0" marL="0">
               <a:buNone/>
             </a:pPr>
             <a:br/>
             <a:br/>
             <a:r>
+              <a:rPr/>
               <a:t>Hannah Merges</a:t>
             </a:r>
           </a:p>
@@ -3162,7 +3170,7 @@
             <a:spLocks noGrp="1"/>
           </p:cNvSpPr>
           <p:nvPr>
-            <p:ph type="dt" sz="half" idx="10"/>
+            <p:ph idx="10" sz="half" type="dt"/>
           </p:nvPr>
         </p:nvSpPr>
         <p:spPr/>
@@ -3170,24 +3178,22 @@
           <a:bodyPr/>
           <a:lstStyle/>
           <a:p>
-            <a:pPr marL="0" lvl="0" indent="0">
+            <a:pPr lvl="0" indent="0" marL="0">
               <a:buNone/>
             </a:pPr>
             <a:r>
-              <a:t>2023-05-01</a:t>
+              <a:rPr/>
+              <a:t>2023-05-02</a:t>
             </a:r>
           </a:p>
         </p:txBody>
       </p:sp>
     </p:spTree>
   </p:cSld>
-  <p:clrMapOvr>
-    <a:masterClrMapping/>
-  </p:clrMapOvr>
 </p:sld>
 </file>
 
-<file path=ppt/slides/slide2.xml><?xml version="1.0" encoding="utf-8"?>
+<file path=ppt/slides/slide10.xml><?xml version="1.0" encoding="utf-8"?>
 <p:sld xmlns:a="http://schemas.openxmlformats.org/drawingml/2006/main" xmlns:r="http://schemas.openxmlformats.org/officeDocument/2006/relationships" xmlns:p="http://schemas.openxmlformats.org/presentationml/2006/main">
   <p:cSld>
     <p:spTree>
@@ -3219,12 +3225,12 @@
           <a:bodyPr/>
           <a:lstStyle/>
           <a:p>
-            <a:pPr marL="0" lvl="0" indent="0">
+            <a:pPr lvl="0" indent="0" marL="0">
               <a:buNone/>
             </a:pPr>
             <a:r>
-              <a:rPr dirty="0"/>
-              <a:t>What is a coral?</a:t>
+              <a:rPr/>
+              <a:t>Now determine which side of the tile most recruits settle on</a:t>
             </a:r>
           </a:p>
         </p:txBody>
@@ -3244,37 +3250,303 @@
           <a:bodyPr/>
           <a:lstStyle/>
           <a:p>
-            <a:pPr lvl="0"/>
-            <a:r>
-              <a:rPr dirty="0"/>
-              <a:t>Plant (photosynthetic algal symbiont)</a:t>
-            </a:r>
-          </a:p>
-          <a:p>
-            <a:pPr lvl="0"/>
-            <a:r>
-              <a:rPr dirty="0"/>
-              <a:t>Animal (coral host)</a:t>
-            </a:r>
-          </a:p>
-          <a:p>
-            <a:pPr lvl="0"/>
-            <a:r>
-              <a:rPr dirty="0"/>
-              <a:t>Rock (calcium carbonate skeleton)</a:t>
+            <a:pPr lvl="0" indent="0">
+              <a:buNone/>
+            </a:pPr>
+            <a:r>
+              <a:rPr>
+                <a:latin typeface="Courier"/>
+              </a:rPr>
+              <a:t>tileside </a:t>
+            </a:r>
+            <a:r>
+              <a:rPr>
+                <a:solidFill>
+                  <a:srgbClr val="007020"/>
+                </a:solidFill>
+                <a:latin typeface="Courier"/>
+              </a:rPr>
+              <a:t>&lt;-</a:t>
+            </a:r>
+            <a:r>
+              <a:rPr>
+                <a:latin typeface="Courier"/>
+              </a:rPr>
+              <a:t> recruits </a:t>
+            </a:r>
+            <a:r>
+              <a:rPr>
+                <a:solidFill>
+                  <a:srgbClr val="4070A0"/>
+                </a:solidFill>
+                <a:latin typeface="Courier"/>
+              </a:rPr>
+              <a:t>%&gt;%</a:t>
+            </a:r>
+            <a:r>
+              <a:rPr>
+                <a:latin typeface="Courier"/>
+              </a:rPr>
+              <a:t> </a:t>
+            </a:r>
+            <a:br/>
+            <a:r>
+              <a:rPr>
+                <a:latin typeface="Courier"/>
+              </a:rPr>
+              <a:t>  </a:t>
+            </a:r>
+            <a:r>
+              <a:rPr>
+                <a:solidFill>
+                  <a:srgbClr val="06287E"/>
+                </a:solidFill>
+                <a:latin typeface="Courier"/>
+              </a:rPr>
+              <a:t>filter</a:t>
+            </a:r>
+            <a:r>
+              <a:rPr>
+                <a:latin typeface="Courier"/>
+              </a:rPr>
+              <a:t>(family</a:t>
+            </a:r>
+            <a:r>
+              <a:rPr>
+                <a:solidFill>
+                  <a:srgbClr val="4070A0"/>
+                </a:solidFill>
+                <a:latin typeface="Courier"/>
+              </a:rPr>
+              <a:t>!="Unidentified"</a:t>
+            </a:r>
+            <a:r>
+              <a:rPr>
+                <a:latin typeface="Courier"/>
+              </a:rPr>
+              <a:t>, </a:t>
+            </a:r>
+            <a:r>
+              <a:rPr i="1">
+                <a:solidFill>
+                  <a:srgbClr val="BA2121"/>
+                </a:solidFill>
+                <a:latin typeface="Courier"/>
+              </a:rPr>
+              <a:t>##this filters out these families </a:t>
+            </a:r>
+            <a:br/>
+            <a:r>
+              <a:rPr>
+                <a:latin typeface="Courier"/>
+              </a:rPr>
+              <a:t>         family</a:t>
+            </a:r>
+            <a:r>
+              <a:rPr>
+                <a:solidFill>
+                  <a:srgbClr val="4070A0"/>
+                </a:solidFill>
+                <a:latin typeface="Courier"/>
+              </a:rPr>
+              <a:t>!="Other"</a:t>
+            </a:r>
+            <a:r>
+              <a:rPr>
+                <a:latin typeface="Courier"/>
+              </a:rPr>
+              <a:t>, </a:t>
+            </a:r>
+            <a:br/>
+            <a:r>
+              <a:rPr>
+                <a:latin typeface="Courier"/>
+              </a:rPr>
+              <a:t>         side</a:t>
+            </a:r>
+            <a:r>
+              <a:rPr>
+                <a:solidFill>
+                  <a:srgbClr val="4070A0"/>
+                </a:solidFill>
+                <a:latin typeface="Courier"/>
+              </a:rPr>
+              <a:t>!="A"</a:t>
+            </a:r>
+            <a:r>
+              <a:rPr>
+                <a:latin typeface="Courier"/>
+              </a:rPr>
+              <a:t>) </a:t>
+            </a:r>
+            <a:r>
+              <a:rPr>
+                <a:solidFill>
+                  <a:srgbClr val="4070A0"/>
+                </a:solidFill>
+                <a:latin typeface="Courier"/>
+              </a:rPr>
+              <a:t>%&gt;%</a:t>
+            </a:r>
+            <a:r>
+              <a:rPr>
+                <a:latin typeface="Courier"/>
+              </a:rPr>
+              <a:t> </a:t>
+            </a:r>
+            <a:br/>
+            <a:r>
+              <a:rPr>
+                <a:latin typeface="Courier"/>
+              </a:rPr>
+              <a:t>  </a:t>
+            </a:r>
+            <a:r>
+              <a:rPr>
+                <a:solidFill>
+                  <a:srgbClr val="06287E"/>
+                </a:solidFill>
+                <a:latin typeface="Courier"/>
+              </a:rPr>
+              <a:t>select</a:t>
+            </a:r>
+            <a:r>
+              <a:rPr>
+                <a:latin typeface="Courier"/>
+              </a:rPr>
+              <a:t>(</a:t>
+            </a:r>
+            <a:r>
+              <a:rPr>
+                <a:solidFill>
+                  <a:srgbClr val="4070A0"/>
+                </a:solidFill>
+                <a:latin typeface="Courier"/>
+              </a:rPr>
+              <a:t>-</a:t>
+            </a:r>
+            <a:r>
+              <a:rPr>
+                <a:latin typeface="Courier"/>
+              </a:rPr>
+              <a:t>location) </a:t>
+            </a:r>
+            <a:r>
+              <a:rPr>
+                <a:solidFill>
+                  <a:srgbClr val="4070A0"/>
+                </a:solidFill>
+                <a:latin typeface="Courier"/>
+              </a:rPr>
+              <a:t>%&gt;%</a:t>
+            </a:r>
+            <a:r>
+              <a:rPr>
+                <a:latin typeface="Courier"/>
+              </a:rPr>
+              <a:t> </a:t>
+            </a:r>
+            <a:r>
+              <a:rPr i="1">
+                <a:solidFill>
+                  <a:srgbClr val="BA2121"/>
+                </a:solidFill>
+                <a:latin typeface="Courier"/>
+              </a:rPr>
+              <a:t>##removes columns by name</a:t>
+            </a:r>
+            <a:br/>
+            <a:r>
+              <a:rPr>
+                <a:latin typeface="Courier"/>
+              </a:rPr>
+              <a:t>  </a:t>
+            </a:r>
+            <a:r>
+              <a:rPr>
+                <a:solidFill>
+                  <a:srgbClr val="06287E"/>
+                </a:solidFill>
+                <a:latin typeface="Courier"/>
+              </a:rPr>
+              <a:t>group_by</a:t>
+            </a:r>
+            <a:r>
+              <a:rPr>
+                <a:latin typeface="Courier"/>
+              </a:rPr>
+              <a:t>(family, side) </a:t>
+            </a:r>
+            <a:r>
+              <a:rPr>
+                <a:solidFill>
+                  <a:srgbClr val="4070A0"/>
+                </a:solidFill>
+                <a:latin typeface="Courier"/>
+              </a:rPr>
+              <a:t>%&gt;%</a:t>
+            </a:r>
+            <a:r>
+              <a:rPr>
+                <a:latin typeface="Courier"/>
+              </a:rPr>
+              <a:t> </a:t>
+            </a:r>
+            <a:br/>
+            <a:r>
+              <a:rPr>
+                <a:latin typeface="Courier"/>
+              </a:rPr>
+              <a:t>  </a:t>
+            </a:r>
+            <a:r>
+              <a:rPr>
+                <a:solidFill>
+                  <a:srgbClr val="06287E"/>
+                </a:solidFill>
+                <a:latin typeface="Courier"/>
+              </a:rPr>
+              <a:t>summarize</a:t>
+            </a:r>
+            <a:r>
+              <a:rPr>
+                <a:latin typeface="Courier"/>
+              </a:rPr>
+              <a:t>(</a:t>
+            </a:r>
+            <a:r>
+              <a:rPr>
+                <a:solidFill>
+                  <a:srgbClr val="7D9029"/>
+                </a:solidFill>
+                <a:latin typeface="Courier"/>
+              </a:rPr>
+              <a:t>sum_total=</a:t>
+            </a:r>
+            <a:r>
+              <a:rPr>
+                <a:solidFill>
+                  <a:srgbClr val="06287E"/>
+                </a:solidFill>
+                <a:latin typeface="Courier"/>
+              </a:rPr>
+              <a:t>sum</a:t>
+            </a:r>
+            <a:r>
+              <a:rPr>
+                <a:latin typeface="Courier"/>
+              </a:rPr>
+              <a:t>(count))</a:t>
             </a:r>
           </a:p>
         </p:txBody>
       </p:sp>
     </p:spTree>
   </p:cSld>
-  <p:clrMapOvr>
-    <a:masterClrMapping/>
-  </p:clrMapOvr>
 </p:sld>
 </file>
 
-<file path=ppt/slides/slide3.xml><?xml version="1.0" encoding="utf-8"?>
+<file path=ppt/slides/slide11.xml><?xml version="1.0" encoding="utf-8"?>
 <p:sld xmlns:a="http://schemas.openxmlformats.org/drawingml/2006/main" xmlns:r="http://schemas.openxmlformats.org/officeDocument/2006/relationships" xmlns:p="http://schemas.openxmlformats.org/presentationml/2006/main">
   <p:cSld>
     <p:spTree>
@@ -3301,274 +3573,6 @@
             <p:ph type="title"/>
           </p:nvPr>
         </p:nvSpPr>
-        <p:spPr/>
-        <p:txBody>
-          <a:bodyPr/>
-          <a:lstStyle/>
-          <a:p>
-            <a:pPr marL="0" lvl="0" indent="0">
-              <a:buNone/>
-            </a:pPr>
-            <a:r>
-              <a:t>What is coral recruitment?</a:t>
-            </a:r>
-          </a:p>
-        </p:txBody>
-      </p:sp>
-      <p:sp>
-        <p:nvSpPr>
-          <p:cNvPr id="3" name="Content Placeholder 2"/>
-          <p:cNvSpPr>
-            <a:spLocks noGrp="1"/>
-          </p:cNvSpPr>
-          <p:nvPr>
-            <p:ph idx="1"/>
-          </p:nvPr>
-        </p:nvSpPr>
-        <p:spPr/>
-        <p:txBody>
-          <a:bodyPr/>
-          <a:lstStyle/>
-          <a:p>
-            <a:pPr lvl="0"/>
-            <a:r>
-              <a:t>The introduction of new individuals to a community</a:t>
-            </a:r>
-          </a:p>
-          <a:p>
-            <a:pPr lvl="0"/>
-            <a:r>
-              <a:t>Increases genetic diversity</a:t>
-            </a:r>
-          </a:p>
-          <a:p>
-            <a:pPr lvl="0"/>
-            <a:r>
-              <a:t>Aids in post-disturbance recovery</a:t>
-            </a:r>
-          </a:p>
-        </p:txBody>
-      </p:sp>
-    </p:spTree>
-  </p:cSld>
-  <p:clrMapOvr>
-    <a:masterClrMapping/>
-  </p:clrMapOvr>
-</p:sld>
-</file>
-
-<file path=ppt/slides/slide4.xml><?xml version="1.0" encoding="utf-8"?>
-<p:sld xmlns:a="http://schemas.openxmlformats.org/drawingml/2006/main" xmlns:r="http://schemas.openxmlformats.org/officeDocument/2006/relationships" xmlns:p="http://schemas.openxmlformats.org/presentationml/2006/main">
-  <p:cSld>
-    <p:spTree>
-      <p:nvGrpSpPr>
-        <p:cNvPr id="1" name=""/>
-        <p:cNvGrpSpPr/>
-        <p:nvPr/>
-      </p:nvGrpSpPr>
-      <p:grpSpPr>
-        <a:xfrm>
-          <a:off x="0" y="0"/>
-          <a:ext cx="0" cy="0"/>
-          <a:chOff x="0" y="0"/>
-          <a:chExt cx="0" cy="0"/>
-        </a:xfrm>
-      </p:grpSpPr>
-      <p:sp>
-        <p:nvSpPr>
-          <p:cNvPr id="2" name="Title 1"/>
-          <p:cNvSpPr>
-            <a:spLocks noGrp="1"/>
-          </p:cNvSpPr>
-          <p:nvPr>
-            <p:ph type="title"/>
-          </p:nvPr>
-        </p:nvSpPr>
-        <p:spPr/>
-        <p:txBody>
-          <a:bodyPr/>
-          <a:lstStyle/>
-          <a:p>
-            <a:pPr marL="0" lvl="0" indent="0">
-              <a:buNone/>
-            </a:pPr>
-            <a:r>
-              <a:t>Different types of reef environments</a:t>
-            </a:r>
-          </a:p>
-        </p:txBody>
-      </p:sp>
-      <p:sp>
-        <p:nvSpPr>
-          <p:cNvPr id="3" name="Content Placeholder 2"/>
-          <p:cNvSpPr>
-            <a:spLocks noGrp="1"/>
-          </p:cNvSpPr>
-          <p:nvPr>
-            <p:ph idx="1"/>
-          </p:nvPr>
-        </p:nvSpPr>
-        <p:spPr/>
-        <p:txBody>
-          <a:bodyPr/>
-          <a:lstStyle/>
-          <a:p>
-            <a:pPr lvl="0"/>
-            <a:r>
-              <a:t>Fringing reef (nearest the shore)</a:t>
-            </a:r>
-          </a:p>
-          <a:p>
-            <a:pPr lvl="0"/>
-            <a:r>
-              <a:t>Backreef (close to where the waves break)</a:t>
-            </a:r>
-          </a:p>
-          <a:p>
-            <a:pPr lvl="0"/>
-            <a:r>
-              <a:t>Forereef (usually closest to the reef wall which is in in open water and slopes/drops off to larger depths)</a:t>
-            </a:r>
-          </a:p>
-        </p:txBody>
-      </p:sp>
-    </p:spTree>
-  </p:cSld>
-  <p:clrMapOvr>
-    <a:masterClrMapping/>
-  </p:clrMapOvr>
-</p:sld>
-</file>
-
-<file path=ppt/slides/slide5.xml><?xml version="1.0" encoding="utf-8"?>
-<p:sld xmlns:a="http://schemas.openxmlformats.org/drawingml/2006/main" xmlns:r="http://schemas.openxmlformats.org/officeDocument/2006/relationships" xmlns:p="http://schemas.openxmlformats.org/presentationml/2006/main">
-  <p:cSld>
-    <p:spTree>
-      <p:nvGrpSpPr>
-        <p:cNvPr id="1" name=""/>
-        <p:cNvGrpSpPr/>
-        <p:nvPr/>
-      </p:nvGrpSpPr>
-      <p:grpSpPr>
-        <a:xfrm>
-          <a:off x="0" y="0"/>
-          <a:ext cx="0" cy="0"/>
-          <a:chOff x="0" y="0"/>
-          <a:chExt cx="0" cy="0"/>
-        </a:xfrm>
-      </p:grpSpPr>
-      <p:sp>
-        <p:nvSpPr>
-          <p:cNvPr id="2" name="Title 1"/>
-          <p:cNvSpPr>
-            <a:spLocks noGrp="1"/>
-          </p:cNvSpPr>
-          <p:nvPr>
-            <p:ph type="title"/>
-          </p:nvPr>
-        </p:nvSpPr>
-        <p:spPr/>
-        <p:txBody>
-          <a:bodyPr/>
-          <a:lstStyle/>
-          <a:p>
-            <a:pPr marL="0" lvl="0" indent="0">
-              <a:buNone/>
-            </a:pPr>
-            <a:r>
-              <a:t>Slide with R Output</a:t>
-            </a:r>
-          </a:p>
-        </p:txBody>
-      </p:sp>
-      <p:sp>
-        <p:nvSpPr>
-          <p:cNvPr id="3" name="Content Placeholder 2"/>
-          <p:cNvSpPr>
-            <a:spLocks noGrp="1"/>
-          </p:cNvSpPr>
-          <p:nvPr>
-            <p:ph idx="1"/>
-          </p:nvPr>
-        </p:nvSpPr>
-        <p:spPr/>
-        <p:txBody>
-          <a:bodyPr/>
-          <a:lstStyle/>
-          <a:p>
-            <a:pPr lvl="0" indent="0">
-              <a:buNone/>
-            </a:pPr>
-            <a:r>
-              <a:rPr>
-                <a:solidFill>
-                  <a:srgbClr val="06287E"/>
-                </a:solidFill>
-                <a:latin typeface="Courier"/>
-              </a:rPr>
-              <a:t>summary</a:t>
-            </a:r>
-            <a:r>
-              <a:rPr>
-                <a:latin typeface="Courier"/>
-              </a:rPr>
-              <a:t>(cars)</a:t>
-            </a:r>
-          </a:p>
-          <a:p>
-            <a:pPr lvl="0" indent="0">
-              <a:buNone/>
-            </a:pPr>
-            <a:r>
-              <a:rPr>
-                <a:latin typeface="Courier"/>
-              </a:rPr>
-              <a:t>##      speed           dist       
-##  Min.   : 4.0   Min.   :  2.00  
-##  1st Qu.:12.0   1st Qu.: 26.00  
-##  Median :15.0   Median : 36.00  
-##  Mean   :15.4   Mean   : 42.98  
-##  3rd Qu.:19.0   3rd Qu.: 56.00  
-##  Max.   :25.0   Max.   :120.00</a:t>
-            </a:r>
-          </a:p>
-        </p:txBody>
-      </p:sp>
-    </p:spTree>
-  </p:cSld>
-  <p:clrMapOvr>
-    <a:masterClrMapping/>
-  </p:clrMapOvr>
-</p:sld>
-</file>
-
-<file path=ppt/slides/slide6.xml><?xml version="1.0" encoding="utf-8"?>
-<p:sld xmlns:a="http://schemas.openxmlformats.org/drawingml/2006/main" xmlns:r="http://schemas.openxmlformats.org/officeDocument/2006/relationships" xmlns:p="http://schemas.openxmlformats.org/presentationml/2006/main">
-  <p:cSld>
-    <p:spTree>
-      <p:nvGrpSpPr>
-        <p:cNvPr id="1" name=""/>
-        <p:cNvGrpSpPr/>
-        <p:nvPr/>
-      </p:nvGrpSpPr>
-      <p:grpSpPr>
-        <a:xfrm>
-          <a:off x="0" y="0"/>
-          <a:ext cx="0" cy="0"/>
-          <a:chOff x="0" y="0"/>
-          <a:chExt cx="0" cy="0"/>
-        </a:xfrm>
-      </p:grpSpPr>
-      <p:sp>
-        <p:nvSpPr>
-          <p:cNvPr id="2" name="Title 1"/>
-          <p:cNvSpPr>
-            <a:spLocks noGrp="1"/>
-          </p:cNvSpPr>
-          <p:nvPr>
-            <p:ph type="title"/>
-          </p:nvPr>
-        </p:nvSpPr>
         <p:spPr>
           <a:xfrm>
             <a:off x="457201" y="204787"/>
@@ -3579,11 +3583,12 @@
           <a:bodyPr/>
           <a:lstStyle/>
           <a:p>
-            <a:pPr marL="0" lvl="0" indent="0">
+            <a:pPr lvl="0" indent="0" marL="0">
               <a:buNone/>
             </a:pPr>
             <a:r>
-              <a:t>Slide with Plot</a:t>
+              <a:rPr/>
+              <a:t>plot it</a:t>
             </a:r>
           </a:p>
         </p:txBody>
@@ -3595,7 +3600,7 @@
             <a:spLocks noGrp="1"/>
           </p:cNvSpPr>
           <p:nvPr>
-            <p:ph type="body" sz="half" idx="2"/>
+            <p:ph idx="2" sz="half" type="body"/>
           </p:nvPr>
         </p:nvSpPr>
         <p:spPr/>
@@ -3613,20 +3618,928 @@
                 </a:solidFill>
                 <a:latin typeface="Courier"/>
               </a:rPr>
-              <a:t>plot</a:t>
-            </a:r>
-            <a:r>
-              <a:rPr>
-                <a:latin typeface="Courier"/>
-              </a:rPr>
-              <a:t>(pressure)</a:t>
+              <a:t>ggplot</a:t>
+            </a:r>
+            <a:r>
+              <a:rPr>
+                <a:latin typeface="Courier"/>
+              </a:rPr>
+              <a:t>(</a:t>
+            </a:r>
+            <a:r>
+              <a:rPr>
+                <a:solidFill>
+                  <a:srgbClr val="7D9029"/>
+                </a:solidFill>
+                <a:latin typeface="Courier"/>
+              </a:rPr>
+              <a:t>data=</a:t>
+            </a:r>
+            <a:r>
+              <a:rPr>
+                <a:latin typeface="Courier"/>
+              </a:rPr>
+              <a:t>tileside,</a:t>
+            </a:r>
+            <a:br/>
+            <a:r>
+              <a:rPr>
+                <a:latin typeface="Courier"/>
+              </a:rPr>
+              <a:t>      </a:t>
+            </a:r>
+            <a:r>
+              <a:rPr>
+                <a:solidFill>
+                  <a:srgbClr val="06287E"/>
+                </a:solidFill>
+                <a:latin typeface="Courier"/>
+              </a:rPr>
+              <a:t>aes</a:t>
+            </a:r>
+            <a:r>
+              <a:rPr>
+                <a:latin typeface="Courier"/>
+              </a:rPr>
+              <a:t>(</a:t>
+            </a:r>
+            <a:r>
+              <a:rPr>
+                <a:solidFill>
+                  <a:srgbClr val="7D9029"/>
+                </a:solidFill>
+                <a:latin typeface="Courier"/>
+              </a:rPr>
+              <a:t>x=</a:t>
+            </a:r>
+            <a:r>
+              <a:rPr>
+                <a:latin typeface="Courier"/>
+              </a:rPr>
+              <a:t>side, </a:t>
+            </a:r>
+            <a:br/>
+            <a:r>
+              <a:rPr>
+                <a:latin typeface="Courier"/>
+              </a:rPr>
+              <a:t>          </a:t>
+            </a:r>
+            <a:r>
+              <a:rPr>
+                <a:solidFill>
+                  <a:srgbClr val="7D9029"/>
+                </a:solidFill>
+                <a:latin typeface="Courier"/>
+              </a:rPr>
+              <a:t>y=</a:t>
+            </a:r>
+            <a:r>
+              <a:rPr>
+                <a:latin typeface="Courier"/>
+              </a:rPr>
+              <a:t>sum_total, </a:t>
+            </a:r>
+            <a:br/>
+            <a:r>
+              <a:rPr>
+                <a:latin typeface="Courier"/>
+              </a:rPr>
+              <a:t>          </a:t>
+            </a:r>
+            <a:r>
+              <a:rPr>
+                <a:solidFill>
+                  <a:srgbClr val="7D9029"/>
+                </a:solidFill>
+                <a:latin typeface="Courier"/>
+              </a:rPr>
+              <a:t>fill=</a:t>
+            </a:r>
+            <a:r>
+              <a:rPr>
+                <a:latin typeface="Courier"/>
+              </a:rPr>
+              <a:t>side)) </a:t>
+            </a:r>
+            <a:r>
+              <a:rPr>
+                <a:solidFill>
+                  <a:srgbClr val="4070A0"/>
+                </a:solidFill>
+                <a:latin typeface="Courier"/>
+              </a:rPr>
+              <a:t>+</a:t>
+            </a:r>
+            <a:r>
+              <a:rPr>
+                <a:latin typeface="Courier"/>
+              </a:rPr>
+              <a:t> </a:t>
+            </a:r>
+            <a:br/>
+            <a:r>
+              <a:rPr>
+                <a:latin typeface="Courier"/>
+              </a:rPr>
+              <a:t>  </a:t>
+            </a:r>
+            <a:r>
+              <a:rPr>
+                <a:solidFill>
+                  <a:srgbClr val="06287E"/>
+                </a:solidFill>
+                <a:latin typeface="Courier"/>
+              </a:rPr>
+              <a:t>geom_col</a:t>
+            </a:r>
+            <a:r>
+              <a:rPr>
+                <a:latin typeface="Courier"/>
+              </a:rPr>
+              <a:t>() </a:t>
+            </a:r>
+            <a:r>
+              <a:rPr>
+                <a:solidFill>
+                  <a:srgbClr val="4070A0"/>
+                </a:solidFill>
+                <a:latin typeface="Courier"/>
+              </a:rPr>
+              <a:t>+</a:t>
+            </a:r>
+            <a:r>
+              <a:rPr>
+                <a:latin typeface="Courier"/>
+              </a:rPr>
+              <a:t> </a:t>
+            </a:r>
+            <a:br/>
+            <a:r>
+              <a:rPr>
+                <a:latin typeface="Courier"/>
+              </a:rPr>
+              <a:t>  </a:t>
+            </a:r>
+            <a:r>
+              <a:rPr>
+                <a:solidFill>
+                  <a:srgbClr val="06287E"/>
+                </a:solidFill>
+                <a:latin typeface="Courier"/>
+              </a:rPr>
+              <a:t>facet_wrap</a:t>
+            </a:r>
+            <a:r>
+              <a:rPr>
+                <a:latin typeface="Courier"/>
+              </a:rPr>
+              <a:t>(</a:t>
+            </a:r>
+            <a:r>
+              <a:rPr>
+                <a:solidFill>
+                  <a:srgbClr val="4070A0"/>
+                </a:solidFill>
+                <a:latin typeface="Courier"/>
+              </a:rPr>
+              <a:t>~</a:t>
+            </a:r>
+            <a:r>
+              <a:rPr>
+                <a:latin typeface="Courier"/>
+              </a:rPr>
+              <a:t>family) </a:t>
+            </a:r>
+            <a:r>
+              <a:rPr>
+                <a:solidFill>
+                  <a:srgbClr val="4070A0"/>
+                </a:solidFill>
+                <a:latin typeface="Courier"/>
+              </a:rPr>
+              <a:t>+</a:t>
+            </a:r>
+            <a:r>
+              <a:rPr>
+                <a:latin typeface="Courier"/>
+              </a:rPr>
+              <a:t> </a:t>
+            </a:r>
+            <a:br/>
+            <a:r>
+              <a:rPr>
+                <a:latin typeface="Courier"/>
+              </a:rPr>
+              <a:t>  </a:t>
+            </a:r>
+            <a:r>
+              <a:rPr>
+                <a:solidFill>
+                  <a:srgbClr val="06287E"/>
+                </a:solidFill>
+                <a:latin typeface="Courier"/>
+              </a:rPr>
+              <a:t>theme_bw</a:t>
+            </a:r>
+            <a:r>
+              <a:rPr>
+                <a:latin typeface="Courier"/>
+              </a:rPr>
+              <a:t>() </a:t>
+            </a:r>
+            <a:r>
+              <a:rPr>
+                <a:solidFill>
+                  <a:srgbClr val="4070A0"/>
+                </a:solidFill>
+                <a:latin typeface="Courier"/>
+              </a:rPr>
+              <a:t>+</a:t>
+            </a:r>
+            <a:r>
+              <a:rPr>
+                <a:latin typeface="Courier"/>
+              </a:rPr>
+              <a:t> </a:t>
+            </a:r>
+            <a:br/>
+            <a:r>
+              <a:rPr>
+                <a:latin typeface="Courier"/>
+              </a:rPr>
+              <a:t>  </a:t>
+            </a:r>
+            <a:r>
+              <a:rPr>
+                <a:solidFill>
+                  <a:srgbClr val="06287E"/>
+                </a:solidFill>
+                <a:latin typeface="Courier"/>
+              </a:rPr>
+              <a:t>labs</a:t>
+            </a:r>
+            <a:r>
+              <a:rPr>
+                <a:latin typeface="Courier"/>
+              </a:rPr>
+              <a:t>(</a:t>
+            </a:r>
+            <a:r>
+              <a:rPr>
+                <a:solidFill>
+                  <a:srgbClr val="7D9029"/>
+                </a:solidFill>
+                <a:latin typeface="Courier"/>
+              </a:rPr>
+              <a:t>y=</a:t>
+            </a:r>
+            <a:r>
+              <a:rPr>
+                <a:solidFill>
+                  <a:srgbClr val="4070A0"/>
+                </a:solidFill>
+                <a:latin typeface="Courier"/>
+              </a:rPr>
+              <a:t>"Total Number of Recruits"</a:t>
+            </a:r>
+            <a:r>
+              <a:rPr>
+                <a:latin typeface="Courier"/>
+              </a:rPr>
+              <a:t>, </a:t>
+            </a:r>
+            <a:br/>
+            <a:r>
+              <a:rPr>
+                <a:latin typeface="Courier"/>
+              </a:rPr>
+              <a:t>       </a:t>
+            </a:r>
+            <a:r>
+              <a:rPr>
+                <a:solidFill>
+                  <a:srgbClr val="7D9029"/>
+                </a:solidFill>
+                <a:latin typeface="Courier"/>
+              </a:rPr>
+              <a:t>x=</a:t>
+            </a:r>
+            <a:r>
+              <a:rPr>
+                <a:solidFill>
+                  <a:srgbClr val="4070A0"/>
+                </a:solidFill>
+                <a:latin typeface="Courier"/>
+              </a:rPr>
+              <a:t>"Side of Recruitment Tile"</a:t>
+            </a:r>
+            <a:r>
+              <a:rPr>
+                <a:latin typeface="Courier"/>
+              </a:rPr>
+              <a:t>, </a:t>
+            </a:r>
+            <a:br/>
+            <a:r>
+              <a:rPr>
+                <a:latin typeface="Courier"/>
+              </a:rPr>
+              <a:t>       </a:t>
+            </a:r>
+            <a:r>
+              <a:rPr>
+                <a:solidFill>
+                  <a:srgbClr val="7D9029"/>
+                </a:solidFill>
+                <a:latin typeface="Courier"/>
+              </a:rPr>
+              <a:t>title=</a:t>
+            </a:r>
+            <a:r>
+              <a:rPr>
+                <a:solidFill>
+                  <a:srgbClr val="4070A0"/>
+                </a:solidFill>
+                <a:latin typeface="Courier"/>
+              </a:rPr>
+              <a:t>"Corals Settle More on the Bottom of Recruitment Tiles"</a:t>
+            </a:r>
+            <a:r>
+              <a:rPr>
+                <a:latin typeface="Courier"/>
+              </a:rPr>
+              <a:t>,</a:t>
+            </a:r>
+            <a:br/>
+            <a:r>
+              <a:rPr>
+                <a:latin typeface="Courier"/>
+              </a:rPr>
+              <a:t>       </a:t>
+            </a:r>
+            <a:r>
+              <a:rPr>
+                <a:solidFill>
+                  <a:srgbClr val="7D9029"/>
+                </a:solidFill>
+                <a:latin typeface="Courier"/>
+              </a:rPr>
+              <a:t>fill=</a:t>
+            </a:r>
+            <a:r>
+              <a:rPr>
+                <a:solidFill>
+                  <a:srgbClr val="4070A0"/>
+                </a:solidFill>
+                <a:latin typeface="Courier"/>
+              </a:rPr>
+              <a:t>"Side of Tile"</a:t>
+            </a:r>
+            <a:r>
+              <a:rPr>
+                <a:latin typeface="Courier"/>
+              </a:rPr>
+              <a:t>) </a:t>
+            </a:r>
+            <a:r>
+              <a:rPr>
+                <a:solidFill>
+                  <a:srgbClr val="4070A0"/>
+                </a:solidFill>
+                <a:latin typeface="Courier"/>
+              </a:rPr>
+              <a:t>+</a:t>
+            </a:r>
+            <a:r>
+              <a:rPr>
+                <a:latin typeface="Courier"/>
+              </a:rPr>
+              <a:t> </a:t>
+            </a:r>
+            <a:br/>
+            <a:r>
+              <a:rPr>
+                <a:latin typeface="Courier"/>
+              </a:rPr>
+              <a:t>  </a:t>
+            </a:r>
+            <a:r>
+              <a:rPr>
+                <a:solidFill>
+                  <a:srgbClr val="06287E"/>
+                </a:solidFill>
+                <a:latin typeface="Courier"/>
+              </a:rPr>
+              <a:t>theme</a:t>
+            </a:r>
+            <a:r>
+              <a:rPr>
+                <a:latin typeface="Courier"/>
+              </a:rPr>
+              <a:t>(</a:t>
+            </a:r>
+            <a:r>
+              <a:rPr>
+                <a:solidFill>
+                  <a:srgbClr val="7D9029"/>
+                </a:solidFill>
+                <a:latin typeface="Courier"/>
+              </a:rPr>
+              <a:t>plot.title=</a:t>
+            </a:r>
+            <a:r>
+              <a:rPr>
+                <a:solidFill>
+                  <a:srgbClr val="06287E"/>
+                </a:solidFill>
+                <a:latin typeface="Courier"/>
+              </a:rPr>
+              <a:t>element_text</a:t>
+            </a:r>
+            <a:r>
+              <a:rPr>
+                <a:latin typeface="Courier"/>
+              </a:rPr>
+              <a:t>(</a:t>
+            </a:r>
+            <a:r>
+              <a:rPr>
+                <a:solidFill>
+                  <a:srgbClr val="7D9029"/>
+                </a:solidFill>
+                <a:latin typeface="Courier"/>
+              </a:rPr>
+              <a:t>hjust=</a:t>
+            </a:r>
+            <a:r>
+              <a:rPr>
+                <a:solidFill>
+                  <a:srgbClr val="40A070"/>
+                </a:solidFill>
+                <a:latin typeface="Courier"/>
+              </a:rPr>
+              <a:t>0.5</a:t>
+            </a:r>
+            <a:r>
+              <a:rPr>
+                <a:latin typeface="Courier"/>
+              </a:rPr>
+              <a:t>),</a:t>
+            </a:r>
+            <a:br/>
+            <a:r>
+              <a:rPr>
+                <a:latin typeface="Courier"/>
+              </a:rPr>
+              <a:t>        </a:t>
+            </a:r>
+            <a:r>
+              <a:rPr>
+                <a:solidFill>
+                  <a:srgbClr val="7D9029"/>
+                </a:solidFill>
+                <a:latin typeface="Courier"/>
+              </a:rPr>
+              <a:t>axis.text.x=</a:t>
+            </a:r>
+            <a:r>
+              <a:rPr>
+                <a:solidFill>
+                  <a:srgbClr val="06287E"/>
+                </a:solidFill>
+                <a:latin typeface="Courier"/>
+              </a:rPr>
+              <a:t>element_text</a:t>
+            </a:r>
+            <a:r>
+              <a:rPr>
+                <a:latin typeface="Courier"/>
+              </a:rPr>
+              <a:t>(</a:t>
+            </a:r>
+            <a:r>
+              <a:rPr>
+                <a:solidFill>
+                  <a:srgbClr val="7D9029"/>
+                </a:solidFill>
+                <a:latin typeface="Courier"/>
+              </a:rPr>
+              <a:t>size=</a:t>
+            </a:r>
+            <a:r>
+              <a:rPr>
+                <a:solidFill>
+                  <a:srgbClr val="40A070"/>
+                </a:solidFill>
+                <a:latin typeface="Courier"/>
+              </a:rPr>
+              <a:t>10</a:t>
+            </a:r>
+            <a:r>
+              <a:rPr>
+                <a:latin typeface="Courier"/>
+              </a:rPr>
+              <a:t>), </a:t>
+            </a:r>
+            <a:r>
+              <a:rPr i="1">
+                <a:solidFill>
+                  <a:srgbClr val="BA2121"/>
+                </a:solidFill>
+                <a:latin typeface="Courier"/>
+              </a:rPr>
+              <a:t>##to get the x axis slightly angled so text is not on top of each other. vjust moves text away from the actual axis </a:t>
+            </a:r>
+            <a:br/>
+            <a:r>
+              <a:rPr>
+                <a:latin typeface="Courier"/>
+              </a:rPr>
+              <a:t>        </a:t>
+            </a:r>
+            <a:r>
+              <a:rPr>
+                <a:solidFill>
+                  <a:srgbClr val="7D9029"/>
+                </a:solidFill>
+                <a:latin typeface="Courier"/>
+              </a:rPr>
+              <a:t>axis.text.y=</a:t>
+            </a:r>
+            <a:r>
+              <a:rPr>
+                <a:solidFill>
+                  <a:srgbClr val="06287E"/>
+                </a:solidFill>
+                <a:latin typeface="Courier"/>
+              </a:rPr>
+              <a:t>element_text</a:t>
+            </a:r>
+            <a:r>
+              <a:rPr>
+                <a:latin typeface="Courier"/>
+              </a:rPr>
+              <a:t>(</a:t>
+            </a:r>
+            <a:r>
+              <a:rPr>
+                <a:solidFill>
+                  <a:srgbClr val="7D9029"/>
+                </a:solidFill>
+                <a:latin typeface="Courier"/>
+              </a:rPr>
+              <a:t>size=</a:t>
+            </a:r>
+            <a:r>
+              <a:rPr>
+                <a:solidFill>
+                  <a:srgbClr val="40A070"/>
+                </a:solidFill>
+                <a:latin typeface="Courier"/>
+              </a:rPr>
+              <a:t>10</a:t>
+            </a:r>
+            <a:r>
+              <a:rPr>
+                <a:latin typeface="Courier"/>
+              </a:rPr>
+              <a:t>), </a:t>
+            </a:r>
+            <a:br/>
+            <a:r>
+              <a:rPr>
+                <a:latin typeface="Courier"/>
+              </a:rPr>
+              <a:t>        </a:t>
+            </a:r>
+            <a:r>
+              <a:rPr>
+                <a:solidFill>
+                  <a:srgbClr val="7D9029"/>
+                </a:solidFill>
+                <a:latin typeface="Courier"/>
+              </a:rPr>
+              <a:t>axis.title.x=</a:t>
+            </a:r>
+            <a:r>
+              <a:rPr>
+                <a:solidFill>
+                  <a:srgbClr val="06287E"/>
+                </a:solidFill>
+                <a:latin typeface="Courier"/>
+              </a:rPr>
+              <a:t>element_text</a:t>
+            </a:r>
+            <a:r>
+              <a:rPr>
+                <a:latin typeface="Courier"/>
+              </a:rPr>
+              <a:t>(</a:t>
+            </a:r>
+            <a:r>
+              <a:rPr>
+                <a:solidFill>
+                  <a:srgbClr val="7D9029"/>
+                </a:solidFill>
+                <a:latin typeface="Courier"/>
+              </a:rPr>
+              <a:t>size=</a:t>
+            </a:r>
+            <a:r>
+              <a:rPr>
+                <a:solidFill>
+                  <a:srgbClr val="40A070"/>
+                </a:solidFill>
+                <a:latin typeface="Courier"/>
+              </a:rPr>
+              <a:t>12</a:t>
+            </a:r>
+            <a:r>
+              <a:rPr>
+                <a:latin typeface="Courier"/>
+              </a:rPr>
+              <a:t>),</a:t>
+            </a:r>
+            <a:br/>
+            <a:r>
+              <a:rPr>
+                <a:latin typeface="Courier"/>
+              </a:rPr>
+              <a:t>        </a:t>
+            </a:r>
+            <a:r>
+              <a:rPr>
+                <a:solidFill>
+                  <a:srgbClr val="7D9029"/>
+                </a:solidFill>
+                <a:latin typeface="Courier"/>
+              </a:rPr>
+              <a:t>axis.title.y=</a:t>
+            </a:r>
+            <a:r>
+              <a:rPr>
+                <a:solidFill>
+                  <a:srgbClr val="06287E"/>
+                </a:solidFill>
+                <a:latin typeface="Courier"/>
+              </a:rPr>
+              <a:t>element_text</a:t>
+            </a:r>
+            <a:r>
+              <a:rPr>
+                <a:latin typeface="Courier"/>
+              </a:rPr>
+              <a:t>(</a:t>
+            </a:r>
+            <a:r>
+              <a:rPr>
+                <a:solidFill>
+                  <a:srgbClr val="7D9029"/>
+                </a:solidFill>
+                <a:latin typeface="Courier"/>
+              </a:rPr>
+              <a:t>size=</a:t>
+            </a:r>
+            <a:r>
+              <a:rPr>
+                <a:solidFill>
+                  <a:srgbClr val="40A070"/>
+                </a:solidFill>
+                <a:latin typeface="Courier"/>
+              </a:rPr>
+              <a:t>12</a:t>
+            </a:r>
+            <a:r>
+              <a:rPr>
+                <a:latin typeface="Courier"/>
+              </a:rPr>
+              <a:t>)) </a:t>
+            </a:r>
+            <a:r>
+              <a:rPr>
+                <a:solidFill>
+                  <a:srgbClr val="4070A0"/>
+                </a:solidFill>
+                <a:latin typeface="Courier"/>
+              </a:rPr>
+              <a:t>+</a:t>
+            </a:r>
+            <a:r>
+              <a:rPr>
+                <a:latin typeface="Courier"/>
+              </a:rPr>
+              <a:t> </a:t>
+            </a:r>
+            <a:br/>
+            <a:r>
+              <a:rPr>
+                <a:latin typeface="Courier"/>
+              </a:rPr>
+              <a:t>  </a:t>
+            </a:r>
+            <a:r>
+              <a:rPr>
+                <a:solidFill>
+                  <a:srgbClr val="06287E"/>
+                </a:solidFill>
+                <a:latin typeface="Courier"/>
+              </a:rPr>
+              <a:t>scale_x_discrete</a:t>
+            </a:r>
+            <a:r>
+              <a:rPr>
+                <a:latin typeface="Courier"/>
+              </a:rPr>
+              <a:t>(</a:t>
+            </a:r>
+            <a:r>
+              <a:rPr>
+                <a:solidFill>
+                  <a:srgbClr val="7D9029"/>
+                </a:solidFill>
+                <a:latin typeface="Courier"/>
+              </a:rPr>
+              <a:t>labels =</a:t>
+            </a:r>
+            <a:r>
+              <a:rPr>
+                <a:latin typeface="Courier"/>
+              </a:rPr>
+              <a:t> </a:t>
+            </a:r>
+            <a:r>
+              <a:rPr>
+                <a:solidFill>
+                  <a:srgbClr val="06287E"/>
+                </a:solidFill>
+                <a:latin typeface="Courier"/>
+              </a:rPr>
+              <a:t>c</a:t>
+            </a:r>
+            <a:r>
+              <a:rPr>
+                <a:latin typeface="Courier"/>
+              </a:rPr>
+              <a:t>(</a:t>
+            </a:r>
+            <a:r>
+              <a:rPr>
+                <a:solidFill>
+                  <a:srgbClr val="4070A0"/>
+                </a:solidFill>
+                <a:latin typeface="Courier"/>
+              </a:rPr>
+              <a:t>"Bottom"</a:t>
+            </a:r>
+            <a:r>
+              <a:rPr>
+                <a:latin typeface="Courier"/>
+              </a:rPr>
+              <a:t>, </a:t>
+            </a:r>
+            <a:r>
+              <a:rPr>
+                <a:solidFill>
+                  <a:srgbClr val="4070A0"/>
+                </a:solidFill>
+                <a:latin typeface="Courier"/>
+              </a:rPr>
+              <a:t>"Side"</a:t>
+            </a:r>
+            <a:r>
+              <a:rPr>
+                <a:latin typeface="Courier"/>
+              </a:rPr>
+              <a:t>, </a:t>
+            </a:r>
+            <a:r>
+              <a:rPr>
+                <a:solidFill>
+                  <a:srgbClr val="4070A0"/>
+                </a:solidFill>
+                <a:latin typeface="Courier"/>
+              </a:rPr>
+              <a:t>"Top"</a:t>
+            </a:r>
+            <a:r>
+              <a:rPr>
+                <a:latin typeface="Courier"/>
+              </a:rPr>
+              <a:t>)) </a:t>
+            </a:r>
+            <a:r>
+              <a:rPr>
+                <a:solidFill>
+                  <a:srgbClr val="4070A0"/>
+                </a:solidFill>
+                <a:latin typeface="Courier"/>
+              </a:rPr>
+              <a:t>+</a:t>
+            </a:r>
+            <a:r>
+              <a:rPr>
+                <a:latin typeface="Courier"/>
+              </a:rPr>
+              <a:t> </a:t>
+            </a:r>
+            <a:br/>
+            <a:r>
+              <a:rPr>
+                <a:latin typeface="Courier"/>
+              </a:rPr>
+              <a:t>  </a:t>
+            </a:r>
+            <a:r>
+              <a:rPr>
+                <a:solidFill>
+                  <a:srgbClr val="06287E"/>
+                </a:solidFill>
+                <a:latin typeface="Courier"/>
+              </a:rPr>
+              <a:t>scale_fill_manual</a:t>
+            </a:r>
+            <a:r>
+              <a:rPr>
+                <a:latin typeface="Courier"/>
+              </a:rPr>
+              <a:t>(</a:t>
+            </a:r>
+            <a:r>
+              <a:rPr>
+                <a:solidFill>
+                  <a:srgbClr val="7D9029"/>
+                </a:solidFill>
+                <a:latin typeface="Courier"/>
+              </a:rPr>
+              <a:t>values =</a:t>
+            </a:r>
+            <a:r>
+              <a:rPr>
+                <a:latin typeface="Courier"/>
+              </a:rPr>
+              <a:t> </a:t>
+            </a:r>
+            <a:r>
+              <a:rPr>
+                <a:solidFill>
+                  <a:srgbClr val="06287E"/>
+                </a:solidFill>
+                <a:latin typeface="Courier"/>
+              </a:rPr>
+              <a:t>pnw_palette</a:t>
+            </a:r>
+            <a:r>
+              <a:rPr>
+                <a:latin typeface="Courier"/>
+              </a:rPr>
+              <a:t>(</a:t>
+            </a:r>
+            <a:r>
+              <a:rPr>
+                <a:solidFill>
+                  <a:srgbClr val="4070A0"/>
+                </a:solidFill>
+                <a:latin typeface="Courier"/>
+              </a:rPr>
+              <a:t>"Bay"</a:t>
+            </a:r>
+            <a:r>
+              <a:rPr>
+                <a:latin typeface="Courier"/>
+              </a:rPr>
+              <a:t>, </a:t>
+            </a:r>
+            <a:r>
+              <a:rPr>
+                <a:solidFill>
+                  <a:srgbClr val="7D9029"/>
+                </a:solidFill>
+                <a:latin typeface="Courier"/>
+              </a:rPr>
+              <a:t>n=</a:t>
+            </a:r>
+            <a:r>
+              <a:rPr>
+                <a:solidFill>
+                  <a:srgbClr val="40A070"/>
+                </a:solidFill>
+                <a:latin typeface="Courier"/>
+              </a:rPr>
+              <a:t>3</a:t>
+            </a:r>
+            <a:r>
+              <a:rPr>
+                <a:latin typeface="Courier"/>
+              </a:rPr>
+              <a:t>))</a:t>
             </a:r>
           </a:p>
         </p:txBody>
       </p:sp>
       <p:pic>
         <p:nvPicPr>
-          <p:cNvPr id="3" name="Picture 1" descr="IndependentProject_MCRData_files/figure-pptx/pressure-1.png"/>
+          <p:cNvPr descr=".../Outputs/unnamed-chunk-5-1.png" id="0" name="Picture 1"/>
           <p:cNvPicPr>
             <a:picLocks noGrp="1" noChangeAspect="1"/>
           </p:cNvPicPr>
@@ -3656,9 +4569,2573 @@
       </p:pic>
     </p:spTree>
   </p:cSld>
-  <p:clrMapOvr>
-    <a:masterClrMapping/>
-  </p:clrMapOvr>
+</p:sld>
+</file>
+
+<file path=ppt/slides/slide12.xml><?xml version="1.0" encoding="utf-8"?>
+<p:sld xmlns:a="http://schemas.openxmlformats.org/drawingml/2006/main" xmlns:r="http://schemas.openxmlformats.org/officeDocument/2006/relationships" xmlns:p="http://schemas.openxmlformats.org/presentationml/2006/main">
+  <p:cSld>
+    <p:spTree>
+      <p:nvGrpSpPr>
+        <p:cNvPr id="1" name=""/>
+        <p:cNvGrpSpPr/>
+        <p:nvPr/>
+      </p:nvGrpSpPr>
+      <p:grpSpPr>
+        <a:xfrm>
+          <a:off x="0" y="0"/>
+          <a:ext cx="0" cy="0"/>
+          <a:chOff x="0" y="0"/>
+          <a:chExt cx="0" cy="0"/>
+        </a:xfrm>
+      </p:grpSpPr>
+      <p:sp>
+        <p:nvSpPr>
+          <p:cNvPr id="3" name="Content Placeholder 2"/>
+          <p:cNvSpPr>
+            <a:spLocks noGrp="1"/>
+          </p:cNvSpPr>
+          <p:nvPr>
+            <p:ph idx="1"/>
+          </p:nvPr>
+        </p:nvSpPr>
+        <p:spPr/>
+        <p:txBody>
+          <a:bodyPr/>
+          <a:lstStyle/>
+          <a:p>
+            <a:pPr lvl="0" indent="0" marL="0">
+              <a:buNone/>
+            </a:pPr>
+          </a:p>
+          <a:p>
+            <a:pPr lvl="0" indent="0">
+              <a:buNone/>
+            </a:pPr>
+            <a:r>
+              <a:rPr>
+                <a:solidFill>
+                  <a:srgbClr val="06287E"/>
+                </a:solidFill>
+                <a:latin typeface="Courier"/>
+              </a:rPr>
+              <a:t>ggsave</a:t>
+            </a:r>
+            <a:r>
+              <a:rPr>
+                <a:latin typeface="Courier"/>
+              </a:rPr>
+              <a:t>(</a:t>
+            </a:r>
+            <a:r>
+              <a:rPr>
+                <a:solidFill>
+                  <a:srgbClr val="06287E"/>
+                </a:solidFill>
+                <a:latin typeface="Courier"/>
+              </a:rPr>
+              <a:t>here</a:t>
+            </a:r>
+            <a:r>
+              <a:rPr>
+                <a:latin typeface="Courier"/>
+              </a:rPr>
+              <a:t>(</a:t>
+            </a:r>
+            <a:r>
+              <a:rPr>
+                <a:solidFill>
+                  <a:srgbClr val="4070A0"/>
+                </a:solidFill>
+                <a:latin typeface="Courier"/>
+              </a:rPr>
+              <a:t>"Outputs"</a:t>
+            </a:r>
+            <a:r>
+              <a:rPr>
+                <a:latin typeface="Courier"/>
+              </a:rPr>
+              <a:t>,</a:t>
+            </a:r>
+            <a:r>
+              <a:rPr>
+                <a:solidFill>
+                  <a:srgbClr val="4070A0"/>
+                </a:solidFill>
+                <a:latin typeface="Courier"/>
+              </a:rPr>
+              <a:t>"tilelocation.jpg"</a:t>
+            </a:r>
+            <a:r>
+              <a:rPr>
+                <a:latin typeface="Courier"/>
+              </a:rPr>
+              <a:t>), </a:t>
+            </a:r>
+            <a:br/>
+            <a:r>
+              <a:rPr>
+                <a:latin typeface="Courier"/>
+              </a:rPr>
+              <a:t>       </a:t>
+            </a:r>
+            <a:r>
+              <a:rPr>
+                <a:solidFill>
+                  <a:srgbClr val="7D9029"/>
+                </a:solidFill>
+                <a:latin typeface="Courier"/>
+              </a:rPr>
+              <a:t>height=</a:t>
+            </a:r>
+            <a:r>
+              <a:rPr>
+                <a:solidFill>
+                  <a:srgbClr val="40A070"/>
+                </a:solidFill>
+                <a:latin typeface="Courier"/>
+              </a:rPr>
+              <a:t>7</a:t>
+            </a:r>
+            <a:r>
+              <a:rPr>
+                <a:latin typeface="Courier"/>
+              </a:rPr>
+              <a:t>, </a:t>
+            </a:r>
+            <a:r>
+              <a:rPr>
+                <a:solidFill>
+                  <a:srgbClr val="7D9029"/>
+                </a:solidFill>
+                <a:latin typeface="Courier"/>
+              </a:rPr>
+              <a:t>width=</a:t>
+            </a:r>
+            <a:r>
+              <a:rPr>
+                <a:solidFill>
+                  <a:srgbClr val="40A070"/>
+                </a:solidFill>
+                <a:latin typeface="Courier"/>
+              </a:rPr>
+              <a:t>10</a:t>
+            </a:r>
+            <a:r>
+              <a:rPr>
+                <a:latin typeface="Courier"/>
+              </a:rPr>
+              <a:t>)</a:t>
+            </a:r>
+          </a:p>
+        </p:txBody>
+      </p:sp>
+    </p:spTree>
+  </p:cSld>
+</p:sld>
+</file>
+
+<file path=ppt/slides/slide2.xml><?xml version="1.0" encoding="utf-8"?>
+<p:sld xmlns:a="http://schemas.openxmlformats.org/drawingml/2006/main" xmlns:r="http://schemas.openxmlformats.org/officeDocument/2006/relationships" xmlns:p="http://schemas.openxmlformats.org/presentationml/2006/main">
+  <p:cSld>
+    <p:spTree>
+      <p:nvGrpSpPr>
+        <p:cNvPr id="1" name=""/>
+        <p:cNvGrpSpPr/>
+        <p:nvPr/>
+      </p:nvGrpSpPr>
+      <p:grpSpPr>
+        <a:xfrm>
+          <a:off x="0" y="0"/>
+          <a:ext cx="0" cy="0"/>
+          <a:chOff x="0" y="0"/>
+          <a:chExt cx="0" cy="0"/>
+        </a:xfrm>
+      </p:grpSpPr>
+      <p:sp>
+        <p:nvSpPr>
+          <p:cNvPr id="2" name="Title 1"/>
+          <p:cNvSpPr>
+            <a:spLocks noGrp="1"/>
+          </p:cNvSpPr>
+          <p:nvPr>
+            <p:ph type="title"/>
+          </p:nvPr>
+        </p:nvSpPr>
+        <p:spPr/>
+        <p:txBody>
+          <a:bodyPr/>
+          <a:lstStyle/>
+          <a:p>
+            <a:pPr lvl="0" indent="0" marL="0">
+              <a:buNone/>
+            </a:pPr>
+            <a:r>
+              <a:rPr/>
+              <a:t>What is a coral?</a:t>
+            </a:r>
+          </a:p>
+        </p:txBody>
+      </p:sp>
+      <p:sp>
+        <p:nvSpPr>
+          <p:cNvPr id="3" name="Content Placeholder 2"/>
+          <p:cNvSpPr>
+            <a:spLocks noGrp="1"/>
+          </p:cNvSpPr>
+          <p:nvPr>
+            <p:ph idx="1"/>
+          </p:nvPr>
+        </p:nvSpPr>
+        <p:spPr/>
+        <p:txBody>
+          <a:bodyPr/>
+          <a:lstStyle/>
+          <a:p>
+            <a:pPr lvl="0"/>
+            <a:r>
+              <a:rPr/>
+              <a:t>Plant (photosynthetic algal symbiont)</a:t>
+            </a:r>
+          </a:p>
+          <a:p>
+            <a:pPr lvl="0"/>
+            <a:r>
+              <a:rPr/>
+              <a:t>Animal (coral host)</a:t>
+            </a:r>
+          </a:p>
+          <a:p>
+            <a:pPr lvl="0"/>
+            <a:r>
+              <a:rPr/>
+              <a:t>Rock (calcium carbonate skeleton)</a:t>
+            </a:r>
+          </a:p>
+        </p:txBody>
+      </p:sp>
+    </p:spTree>
+  </p:cSld>
+</p:sld>
+</file>
+
+<file path=ppt/slides/slide3.xml><?xml version="1.0" encoding="utf-8"?>
+<p:sld xmlns:a="http://schemas.openxmlformats.org/drawingml/2006/main" xmlns:r="http://schemas.openxmlformats.org/officeDocument/2006/relationships" xmlns:p="http://schemas.openxmlformats.org/presentationml/2006/main">
+  <p:cSld>
+    <p:spTree>
+      <p:nvGrpSpPr>
+        <p:cNvPr id="1" name=""/>
+        <p:cNvGrpSpPr/>
+        <p:nvPr/>
+      </p:nvGrpSpPr>
+      <p:grpSpPr>
+        <a:xfrm>
+          <a:off x="0" y="0"/>
+          <a:ext cx="0" cy="0"/>
+          <a:chOff x="0" y="0"/>
+          <a:chExt cx="0" cy="0"/>
+        </a:xfrm>
+      </p:grpSpPr>
+      <p:sp>
+        <p:nvSpPr>
+          <p:cNvPr id="2" name="Title 1"/>
+          <p:cNvSpPr>
+            <a:spLocks noGrp="1"/>
+          </p:cNvSpPr>
+          <p:nvPr>
+            <p:ph type="title"/>
+          </p:nvPr>
+        </p:nvSpPr>
+        <p:spPr/>
+        <p:txBody>
+          <a:bodyPr/>
+          <a:lstStyle/>
+          <a:p>
+            <a:pPr lvl="0" indent="0" marL="0">
+              <a:buNone/>
+            </a:pPr>
+            <a:r>
+              <a:rPr/>
+              <a:t>What is coral recruitment?</a:t>
+            </a:r>
+          </a:p>
+        </p:txBody>
+      </p:sp>
+      <p:sp>
+        <p:nvSpPr>
+          <p:cNvPr id="3" name="Content Placeholder 2"/>
+          <p:cNvSpPr>
+            <a:spLocks noGrp="1"/>
+          </p:cNvSpPr>
+          <p:nvPr>
+            <p:ph idx="1"/>
+          </p:nvPr>
+        </p:nvSpPr>
+        <p:spPr/>
+        <p:txBody>
+          <a:bodyPr/>
+          <a:lstStyle/>
+          <a:p>
+            <a:pPr lvl="0"/>
+            <a:r>
+              <a:rPr/>
+              <a:t>The introduction of new individuals to a community</a:t>
+            </a:r>
+          </a:p>
+          <a:p>
+            <a:pPr lvl="0"/>
+            <a:r>
+              <a:rPr/>
+              <a:t>Increases genetic diversity</a:t>
+            </a:r>
+          </a:p>
+          <a:p>
+            <a:pPr lvl="0"/>
+            <a:r>
+              <a:rPr/>
+              <a:t>Aids in post-disturbance recovery</a:t>
+            </a:r>
+          </a:p>
+        </p:txBody>
+      </p:sp>
+    </p:spTree>
+  </p:cSld>
+</p:sld>
+</file>
+
+<file path=ppt/slides/slide4.xml><?xml version="1.0" encoding="utf-8"?>
+<p:sld xmlns:a="http://schemas.openxmlformats.org/drawingml/2006/main" xmlns:r="http://schemas.openxmlformats.org/officeDocument/2006/relationships" xmlns:p="http://schemas.openxmlformats.org/presentationml/2006/main">
+  <p:cSld>
+    <p:spTree>
+      <p:nvGrpSpPr>
+        <p:cNvPr id="1" name=""/>
+        <p:cNvGrpSpPr/>
+        <p:nvPr/>
+      </p:nvGrpSpPr>
+      <p:grpSpPr>
+        <a:xfrm>
+          <a:off x="0" y="0"/>
+          <a:ext cx="0" cy="0"/>
+          <a:chOff x="0" y="0"/>
+          <a:chExt cx="0" cy="0"/>
+        </a:xfrm>
+      </p:grpSpPr>
+      <p:sp>
+        <p:nvSpPr>
+          <p:cNvPr id="2" name="Title 1"/>
+          <p:cNvSpPr>
+            <a:spLocks noGrp="1"/>
+          </p:cNvSpPr>
+          <p:nvPr>
+            <p:ph type="title"/>
+          </p:nvPr>
+        </p:nvSpPr>
+        <p:spPr/>
+        <p:txBody>
+          <a:bodyPr/>
+          <a:lstStyle/>
+          <a:p>
+            <a:pPr lvl="0" indent="0" marL="0">
+              <a:buNone/>
+            </a:pPr>
+            <a:r>
+              <a:rPr/>
+              <a:t>Different types of reef environments</a:t>
+            </a:r>
+          </a:p>
+        </p:txBody>
+      </p:sp>
+      <p:sp>
+        <p:nvSpPr>
+          <p:cNvPr id="3" name="Content Placeholder 2"/>
+          <p:cNvSpPr>
+            <a:spLocks noGrp="1"/>
+          </p:cNvSpPr>
+          <p:nvPr>
+            <p:ph idx="1"/>
+          </p:nvPr>
+        </p:nvSpPr>
+        <p:spPr/>
+        <p:txBody>
+          <a:bodyPr/>
+          <a:lstStyle/>
+          <a:p>
+            <a:pPr lvl="0"/>
+            <a:r>
+              <a:rPr/>
+              <a:t>Fringing reef (nearest the shore)</a:t>
+            </a:r>
+          </a:p>
+          <a:p>
+            <a:pPr lvl="0"/>
+            <a:r>
+              <a:rPr/>
+              <a:t>Backreef (close to where the waves break)</a:t>
+            </a:r>
+          </a:p>
+          <a:p>
+            <a:pPr lvl="0"/>
+            <a:r>
+              <a:rPr/>
+              <a:t>Forereef (usually closest to the reef wall which is in in open water and slopes/drops off to larger depths)</a:t>
+            </a:r>
+          </a:p>
+        </p:txBody>
+      </p:sp>
+    </p:spTree>
+  </p:cSld>
+</p:sld>
+</file>
+
+<file path=ppt/slides/slide5.xml><?xml version="1.0" encoding="utf-8"?>
+<p:sld xmlns:a="http://schemas.openxmlformats.org/drawingml/2006/main" xmlns:r="http://schemas.openxmlformats.org/officeDocument/2006/relationships" xmlns:p="http://schemas.openxmlformats.org/presentationml/2006/main">
+  <p:cSld>
+    <p:spTree>
+      <p:nvGrpSpPr>
+        <p:cNvPr id="1" name=""/>
+        <p:cNvGrpSpPr/>
+        <p:nvPr/>
+      </p:nvGrpSpPr>
+      <p:grpSpPr>
+        <a:xfrm>
+          <a:off x="0" y="0"/>
+          <a:ext cx="0" cy="0"/>
+          <a:chOff x="0" y="0"/>
+          <a:chExt cx="0" cy="0"/>
+        </a:xfrm>
+      </p:grpSpPr>
+      <p:sp>
+        <p:nvSpPr>
+          <p:cNvPr id="2" name="Title 1"/>
+          <p:cNvSpPr>
+            <a:spLocks noGrp="1"/>
+          </p:cNvSpPr>
+          <p:nvPr>
+            <p:ph type="title"/>
+          </p:nvPr>
+        </p:nvSpPr>
+        <p:spPr/>
+        <p:txBody>
+          <a:bodyPr/>
+          <a:lstStyle/>
+          <a:p>
+            <a:pPr lvl="0" indent="0" marL="0">
+              <a:buNone/>
+            </a:pPr>
+            <a:r>
+              <a:rPr/>
+              <a:t>Loading libraries</a:t>
+            </a:r>
+          </a:p>
+        </p:txBody>
+      </p:sp>
+      <p:sp>
+        <p:nvSpPr>
+          <p:cNvPr id="3" name="Content Placeholder 2"/>
+          <p:cNvSpPr>
+            <a:spLocks noGrp="1"/>
+          </p:cNvSpPr>
+          <p:nvPr>
+            <p:ph idx="1"/>
+          </p:nvPr>
+        </p:nvSpPr>
+        <p:spPr/>
+        <p:txBody>
+          <a:bodyPr/>
+          <a:lstStyle/>
+          <a:p>
+            <a:pPr lvl="0" indent="0">
+              <a:buNone/>
+            </a:pPr>
+            <a:r>
+              <a:rPr>
+                <a:solidFill>
+                  <a:srgbClr val="06287E"/>
+                </a:solidFill>
+                <a:latin typeface="Courier"/>
+              </a:rPr>
+              <a:t>library</a:t>
+            </a:r>
+            <a:r>
+              <a:rPr>
+                <a:latin typeface="Courier"/>
+              </a:rPr>
+              <a:t>(tidyverse)</a:t>
+            </a:r>
+            <a:br/>
+            <a:r>
+              <a:rPr>
+                <a:solidFill>
+                  <a:srgbClr val="06287E"/>
+                </a:solidFill>
+                <a:latin typeface="Courier"/>
+              </a:rPr>
+              <a:t>library</a:t>
+            </a:r>
+            <a:r>
+              <a:rPr>
+                <a:latin typeface="Courier"/>
+              </a:rPr>
+              <a:t>(here)</a:t>
+            </a:r>
+            <a:br/>
+            <a:r>
+              <a:rPr>
+                <a:solidFill>
+                  <a:srgbClr val="06287E"/>
+                </a:solidFill>
+                <a:latin typeface="Courier"/>
+              </a:rPr>
+              <a:t>library</a:t>
+            </a:r>
+            <a:r>
+              <a:rPr>
+                <a:latin typeface="Courier"/>
+              </a:rPr>
+              <a:t>(janitor)</a:t>
+            </a:r>
+            <a:br/>
+            <a:r>
+              <a:rPr>
+                <a:solidFill>
+                  <a:srgbClr val="06287E"/>
+                </a:solidFill>
+                <a:latin typeface="Courier"/>
+              </a:rPr>
+              <a:t>library</a:t>
+            </a:r>
+            <a:r>
+              <a:rPr>
+                <a:latin typeface="Courier"/>
+              </a:rPr>
+              <a:t>(PNWColors)</a:t>
+            </a:r>
+          </a:p>
+        </p:txBody>
+      </p:sp>
+    </p:spTree>
+  </p:cSld>
+</p:sld>
+</file>
+
+<file path=ppt/slides/slide6.xml><?xml version="1.0" encoding="utf-8"?>
+<p:sld xmlns:a="http://schemas.openxmlformats.org/drawingml/2006/main" xmlns:r="http://schemas.openxmlformats.org/officeDocument/2006/relationships" xmlns:p="http://schemas.openxmlformats.org/presentationml/2006/main">
+  <p:cSld>
+    <p:spTree>
+      <p:nvGrpSpPr>
+        <p:cNvPr id="1" name=""/>
+        <p:cNvGrpSpPr/>
+        <p:nvPr/>
+      </p:nvGrpSpPr>
+      <p:grpSpPr>
+        <a:xfrm>
+          <a:off x="0" y="0"/>
+          <a:ext cx="0" cy="0"/>
+          <a:chOff x="0" y="0"/>
+          <a:chExt cx="0" cy="0"/>
+        </a:xfrm>
+      </p:grpSpPr>
+      <p:sp>
+        <p:nvSpPr>
+          <p:cNvPr id="2" name="Title 1"/>
+          <p:cNvSpPr>
+            <a:spLocks noGrp="1"/>
+          </p:cNvSpPr>
+          <p:nvPr>
+            <p:ph type="title"/>
+          </p:nvPr>
+        </p:nvSpPr>
+        <p:spPr/>
+        <p:txBody>
+          <a:bodyPr/>
+          <a:lstStyle/>
+          <a:p>
+            <a:pPr lvl="0" indent="0" marL="0">
+              <a:buNone/>
+            </a:pPr>
+            <a:r>
+              <a:rPr/>
+              <a:t>Read in the data</a:t>
+            </a:r>
+          </a:p>
+        </p:txBody>
+      </p:sp>
+      <p:sp>
+        <p:nvSpPr>
+          <p:cNvPr id="3" name="Content Placeholder 2"/>
+          <p:cNvSpPr>
+            <a:spLocks noGrp="1"/>
+          </p:cNvSpPr>
+          <p:nvPr>
+            <p:ph idx="1"/>
+          </p:nvPr>
+        </p:nvSpPr>
+        <p:spPr/>
+        <p:txBody>
+          <a:bodyPr/>
+          <a:lstStyle/>
+          <a:p>
+            <a:pPr lvl="0" indent="0">
+              <a:buNone/>
+            </a:pPr>
+            <a:r>
+              <a:rPr>
+                <a:latin typeface="Courier"/>
+              </a:rPr>
+              <a:t>recruits </a:t>
+            </a:r>
+            <a:r>
+              <a:rPr>
+                <a:solidFill>
+                  <a:srgbClr val="007020"/>
+                </a:solidFill>
+                <a:latin typeface="Courier"/>
+              </a:rPr>
+              <a:t>&lt;-</a:t>
+            </a:r>
+            <a:r>
+              <a:rPr>
+                <a:latin typeface="Courier"/>
+              </a:rPr>
+              <a:t> </a:t>
+            </a:r>
+            <a:r>
+              <a:rPr>
+                <a:solidFill>
+                  <a:srgbClr val="06287E"/>
+                </a:solidFill>
+                <a:latin typeface="Courier"/>
+              </a:rPr>
+              <a:t>read_csv</a:t>
+            </a:r>
+            <a:r>
+              <a:rPr>
+                <a:latin typeface="Courier"/>
+              </a:rPr>
+              <a:t>(</a:t>
+            </a:r>
+            <a:r>
+              <a:rPr>
+                <a:solidFill>
+                  <a:srgbClr val="06287E"/>
+                </a:solidFill>
+                <a:latin typeface="Courier"/>
+              </a:rPr>
+              <a:t>here</a:t>
+            </a:r>
+            <a:r>
+              <a:rPr>
+                <a:latin typeface="Courier"/>
+              </a:rPr>
+              <a:t>(</a:t>
+            </a:r>
+            <a:r>
+              <a:rPr>
+                <a:solidFill>
+                  <a:srgbClr val="4070A0"/>
+                </a:solidFill>
+                <a:latin typeface="Courier"/>
+              </a:rPr>
+              <a:t>"Data"</a:t>
+            </a:r>
+            <a:r>
+              <a:rPr>
+                <a:latin typeface="Courier"/>
+              </a:rPr>
+              <a:t>,</a:t>
+            </a:r>
+            <a:r>
+              <a:rPr>
+                <a:solidFill>
+                  <a:srgbClr val="4070A0"/>
+                </a:solidFill>
+                <a:latin typeface="Courier"/>
+              </a:rPr>
+              <a:t>"coral_recruit_tile_spat_counts_2006-2016_20180626.csv"</a:t>
+            </a:r>
+            <a:r>
+              <a:rPr>
+                <a:latin typeface="Courier"/>
+              </a:rPr>
+              <a:t>))</a:t>
+            </a:r>
+          </a:p>
+        </p:txBody>
+      </p:sp>
+    </p:spTree>
+  </p:cSld>
+</p:sld>
+</file>
+
+<file path=ppt/slides/slide7.xml><?xml version="1.0" encoding="utf-8"?>
+<p:sld xmlns:a="http://schemas.openxmlformats.org/drawingml/2006/main" xmlns:r="http://schemas.openxmlformats.org/officeDocument/2006/relationships" xmlns:p="http://schemas.openxmlformats.org/presentationml/2006/main">
+  <p:cSld>
+    <p:spTree>
+      <p:nvGrpSpPr>
+        <p:cNvPr id="1" name=""/>
+        <p:cNvGrpSpPr/>
+        <p:nvPr/>
+      </p:nvGrpSpPr>
+      <p:grpSpPr>
+        <a:xfrm>
+          <a:off x="0" y="0"/>
+          <a:ext cx="0" cy="0"/>
+          <a:chOff x="0" y="0"/>
+          <a:chExt cx="0" cy="0"/>
+        </a:xfrm>
+      </p:grpSpPr>
+      <p:sp>
+        <p:nvSpPr>
+          <p:cNvPr id="2" name="Title 1"/>
+          <p:cNvSpPr>
+            <a:spLocks noGrp="1"/>
+          </p:cNvSpPr>
+          <p:nvPr>
+            <p:ph type="title"/>
+          </p:nvPr>
+        </p:nvSpPr>
+        <p:spPr/>
+        <p:txBody>
+          <a:bodyPr/>
+          <a:lstStyle/>
+          <a:p>
+            <a:pPr lvl="0" indent="0" marL="0">
+              <a:buNone/>
+            </a:pPr>
+            <a:r>
+              <a:rPr/>
+              <a:t>Tidy the data</a:t>
+            </a:r>
+          </a:p>
+        </p:txBody>
+      </p:sp>
+      <p:sp>
+        <p:nvSpPr>
+          <p:cNvPr id="3" name="Content Placeholder 2"/>
+          <p:cNvSpPr>
+            <a:spLocks noGrp="1"/>
+          </p:cNvSpPr>
+          <p:nvPr>
+            <p:ph idx="1"/>
+          </p:nvPr>
+        </p:nvSpPr>
+        <p:spPr/>
+        <p:txBody>
+          <a:bodyPr/>
+          <a:lstStyle/>
+          <a:p>
+            <a:pPr lvl="0" indent="0" marL="0">
+              <a:buNone/>
+            </a:pPr>
+            <a:r>
+              <a:rPr/>
+              <a:t>In a way that is useful for the plots and output we are trying to create Want to look at the change in recruit density over the years along the western shore particularly the lagoon</a:t>
+            </a:r>
+          </a:p>
+          <a:p>
+            <a:pPr lvl="0" indent="0">
+              <a:buNone/>
+            </a:pPr>
+            <a:r>
+              <a:rPr i="1">
+                <a:solidFill>
+                  <a:srgbClr val="BA2121"/>
+                </a:solidFill>
+                <a:latin typeface="Courier"/>
+              </a:rPr>
+              <a:t>## ideally looking to combine total counts of all tiles and season into one count per year by species </a:t>
+            </a:r>
+            <a:br/>
+            <a:br/>
+            <a:r>
+              <a:rPr>
+                <a:latin typeface="Courier"/>
+              </a:rPr>
+              <a:t>recruityears </a:t>
+            </a:r>
+            <a:r>
+              <a:rPr>
+                <a:solidFill>
+                  <a:srgbClr val="007020"/>
+                </a:solidFill>
+                <a:latin typeface="Courier"/>
+              </a:rPr>
+              <a:t>&lt;-</a:t>
+            </a:r>
+            <a:r>
+              <a:rPr>
+                <a:latin typeface="Courier"/>
+              </a:rPr>
+              <a:t> recruits </a:t>
+            </a:r>
+            <a:r>
+              <a:rPr>
+                <a:solidFill>
+                  <a:srgbClr val="4070A0"/>
+                </a:solidFill>
+                <a:latin typeface="Courier"/>
+              </a:rPr>
+              <a:t>%&gt;%</a:t>
+            </a:r>
+            <a:br/>
+            <a:r>
+              <a:rPr>
+                <a:latin typeface="Courier"/>
+              </a:rPr>
+              <a:t>  </a:t>
+            </a:r>
+            <a:r>
+              <a:rPr>
+                <a:solidFill>
+                  <a:srgbClr val="06287E"/>
+                </a:solidFill>
+                <a:latin typeface="Courier"/>
+              </a:rPr>
+              <a:t>pivot_wider</a:t>
+            </a:r>
+            <a:r>
+              <a:rPr>
+                <a:latin typeface="Courier"/>
+              </a:rPr>
+              <a:t>(</a:t>
+            </a:r>
+            <a:r>
+              <a:rPr>
+                <a:solidFill>
+                  <a:srgbClr val="7D9029"/>
+                </a:solidFill>
+                <a:latin typeface="Courier"/>
+              </a:rPr>
+              <a:t>names_from =</a:t>
+            </a:r>
+            <a:r>
+              <a:rPr>
+                <a:latin typeface="Courier"/>
+              </a:rPr>
+              <a:t> side, </a:t>
+            </a:r>
+            <a:r>
+              <a:rPr>
+                <a:solidFill>
+                  <a:srgbClr val="7D9029"/>
+                </a:solidFill>
+                <a:latin typeface="Courier"/>
+              </a:rPr>
+              <a:t>values_from =</a:t>
+            </a:r>
+            <a:r>
+              <a:rPr>
+                <a:latin typeface="Courier"/>
+              </a:rPr>
+              <a:t> count) </a:t>
+            </a:r>
+            <a:r>
+              <a:rPr>
+                <a:solidFill>
+                  <a:srgbClr val="4070A0"/>
+                </a:solidFill>
+                <a:latin typeface="Courier"/>
+              </a:rPr>
+              <a:t>%&gt;%</a:t>
+            </a:r>
+            <a:r>
+              <a:rPr>
+                <a:latin typeface="Courier"/>
+              </a:rPr>
+              <a:t> </a:t>
+            </a:r>
+            <a:br/>
+            <a:r>
+              <a:rPr>
+                <a:latin typeface="Courier"/>
+              </a:rPr>
+              <a:t>  </a:t>
+            </a:r>
+            <a:r>
+              <a:rPr>
+                <a:solidFill>
+                  <a:srgbClr val="06287E"/>
+                </a:solidFill>
+                <a:latin typeface="Courier"/>
+              </a:rPr>
+              <a:t>filter</a:t>
+            </a:r>
+            <a:r>
+              <a:rPr>
+                <a:latin typeface="Courier"/>
+              </a:rPr>
+              <a:t>(family</a:t>
+            </a:r>
+            <a:r>
+              <a:rPr>
+                <a:solidFill>
+                  <a:srgbClr val="4070A0"/>
+                </a:solidFill>
+                <a:latin typeface="Courier"/>
+              </a:rPr>
+              <a:t>!="Unidentified"</a:t>
+            </a:r>
+            <a:r>
+              <a:rPr>
+                <a:latin typeface="Courier"/>
+              </a:rPr>
+              <a:t>, </a:t>
+            </a:r>
+            <a:r>
+              <a:rPr i="1">
+                <a:solidFill>
+                  <a:srgbClr val="BA2121"/>
+                </a:solidFill>
+                <a:latin typeface="Courier"/>
+              </a:rPr>
+              <a:t>##this filters out these families and says side does NOT include"A"</a:t>
+            </a:r>
+            <a:br/>
+            <a:r>
+              <a:rPr>
+                <a:latin typeface="Courier"/>
+              </a:rPr>
+              <a:t>         family</a:t>
+            </a:r>
+            <a:r>
+              <a:rPr>
+                <a:solidFill>
+                  <a:srgbClr val="4070A0"/>
+                </a:solidFill>
+                <a:latin typeface="Courier"/>
+              </a:rPr>
+              <a:t>!="Other"</a:t>
+            </a:r>
+            <a:r>
+              <a:rPr>
+                <a:latin typeface="Courier"/>
+              </a:rPr>
+              <a:t>) </a:t>
+            </a:r>
+            <a:r>
+              <a:rPr>
+                <a:solidFill>
+                  <a:srgbClr val="4070A0"/>
+                </a:solidFill>
+                <a:latin typeface="Courier"/>
+              </a:rPr>
+              <a:t>%&gt;%</a:t>
+            </a:r>
+            <a:r>
+              <a:rPr>
+                <a:latin typeface="Courier"/>
+              </a:rPr>
+              <a:t> </a:t>
+            </a:r>
+            <a:r>
+              <a:rPr i="1">
+                <a:solidFill>
+                  <a:srgbClr val="BA2121"/>
+                </a:solidFill>
+                <a:latin typeface="Courier"/>
+              </a:rPr>
+              <a:t>## was going to filter out by shore, but "west" is only in 2006 </a:t>
+            </a:r>
+            <a:br/>
+            <a:r>
+              <a:rPr>
+                <a:latin typeface="Courier"/>
+              </a:rPr>
+              <a:t>  </a:t>
+            </a:r>
+            <a:r>
+              <a:rPr>
+                <a:solidFill>
+                  <a:srgbClr val="06287E"/>
+                </a:solidFill>
+                <a:latin typeface="Courier"/>
+              </a:rPr>
+              <a:t>select</a:t>
+            </a:r>
+            <a:r>
+              <a:rPr>
+                <a:latin typeface="Courier"/>
+              </a:rPr>
+              <a:t>(</a:t>
+            </a:r>
+            <a:r>
+              <a:rPr>
+                <a:solidFill>
+                  <a:srgbClr val="4070A0"/>
+                </a:solidFill>
+                <a:latin typeface="Courier"/>
+              </a:rPr>
+              <a:t>-</a:t>
+            </a:r>
+            <a:r>
+              <a:rPr>
+                <a:latin typeface="Courier"/>
+              </a:rPr>
+              <a:t>location, </a:t>
+            </a:r>
+            <a:r>
+              <a:rPr>
+                <a:solidFill>
+                  <a:srgbClr val="4070A0"/>
+                </a:solidFill>
+                <a:latin typeface="Courier"/>
+              </a:rPr>
+              <a:t>-</a:t>
+            </a:r>
+            <a:r>
+              <a:rPr>
+                <a:latin typeface="Courier"/>
+              </a:rPr>
+              <a:t>A) </a:t>
+            </a:r>
+            <a:r>
+              <a:rPr>
+                <a:solidFill>
+                  <a:srgbClr val="4070A0"/>
+                </a:solidFill>
+                <a:latin typeface="Courier"/>
+              </a:rPr>
+              <a:t>%&gt;%</a:t>
+            </a:r>
+            <a:br/>
+            <a:r>
+              <a:rPr>
+                <a:latin typeface="Courier"/>
+              </a:rPr>
+              <a:t>  </a:t>
+            </a:r>
+            <a:r>
+              <a:rPr>
+                <a:solidFill>
+                  <a:srgbClr val="06287E"/>
+                </a:solidFill>
+                <a:latin typeface="Courier"/>
+              </a:rPr>
+              <a:t>mutate</a:t>
+            </a:r>
+            <a:r>
+              <a:rPr>
+                <a:latin typeface="Courier"/>
+              </a:rPr>
+              <a:t>(</a:t>
+            </a:r>
+            <a:r>
+              <a:rPr>
+                <a:solidFill>
+                  <a:srgbClr val="7D9029"/>
+                </a:solidFill>
+                <a:latin typeface="Courier"/>
+              </a:rPr>
+              <a:t>total_count =</a:t>
+            </a:r>
+            <a:r>
+              <a:rPr>
+                <a:latin typeface="Courier"/>
+              </a:rPr>
+              <a:t> B</a:t>
+            </a:r>
+            <a:r>
+              <a:rPr>
+                <a:solidFill>
+                  <a:srgbClr val="4070A0"/>
+                </a:solidFill>
+                <a:latin typeface="Courier"/>
+              </a:rPr>
+              <a:t>+</a:t>
+            </a:r>
+            <a:r>
+              <a:rPr>
+                <a:latin typeface="Courier"/>
+              </a:rPr>
+              <a:t>S</a:t>
+            </a:r>
+            <a:r>
+              <a:rPr>
+                <a:solidFill>
+                  <a:srgbClr val="4070A0"/>
+                </a:solidFill>
+                <a:latin typeface="Courier"/>
+              </a:rPr>
+              <a:t>+</a:t>
+            </a:r>
+            <a:r>
+              <a:rPr>
+                <a:latin typeface="Courier"/>
+              </a:rPr>
+              <a:t>T) </a:t>
+            </a:r>
+            <a:r>
+              <a:rPr>
+                <a:solidFill>
+                  <a:srgbClr val="4070A0"/>
+                </a:solidFill>
+                <a:latin typeface="Courier"/>
+              </a:rPr>
+              <a:t>%&gt;%</a:t>
+            </a:r>
+            <a:r>
+              <a:rPr>
+                <a:latin typeface="Courier"/>
+              </a:rPr>
+              <a:t> </a:t>
+            </a:r>
+            <a:br/>
+            <a:r>
+              <a:rPr>
+                <a:latin typeface="Courier"/>
+              </a:rPr>
+              <a:t>  </a:t>
+            </a:r>
+            <a:r>
+              <a:rPr>
+                <a:solidFill>
+                  <a:srgbClr val="06287E"/>
+                </a:solidFill>
+                <a:latin typeface="Courier"/>
+              </a:rPr>
+              <a:t>group_by</a:t>
+            </a:r>
+            <a:r>
+              <a:rPr>
+                <a:latin typeface="Courier"/>
+              </a:rPr>
+              <a:t>(nominal_year, family, habitat) </a:t>
+            </a:r>
+            <a:r>
+              <a:rPr>
+                <a:solidFill>
+                  <a:srgbClr val="4070A0"/>
+                </a:solidFill>
+                <a:latin typeface="Courier"/>
+              </a:rPr>
+              <a:t>%&gt;%</a:t>
+            </a:r>
+            <a:r>
+              <a:rPr>
+                <a:latin typeface="Courier"/>
+              </a:rPr>
+              <a:t> </a:t>
+            </a:r>
+            <a:br/>
+            <a:r>
+              <a:rPr>
+                <a:latin typeface="Courier"/>
+              </a:rPr>
+              <a:t>  </a:t>
+            </a:r>
+            <a:r>
+              <a:rPr>
+                <a:solidFill>
+                  <a:srgbClr val="06287E"/>
+                </a:solidFill>
+                <a:latin typeface="Courier"/>
+              </a:rPr>
+              <a:t>summarize</a:t>
+            </a:r>
+            <a:r>
+              <a:rPr>
+                <a:latin typeface="Courier"/>
+              </a:rPr>
+              <a:t>(</a:t>
+            </a:r>
+            <a:r>
+              <a:rPr>
+                <a:solidFill>
+                  <a:srgbClr val="7D9029"/>
+                </a:solidFill>
+                <a:latin typeface="Courier"/>
+              </a:rPr>
+              <a:t>sum_total=</a:t>
+            </a:r>
+            <a:r>
+              <a:rPr>
+                <a:solidFill>
+                  <a:srgbClr val="06287E"/>
+                </a:solidFill>
+                <a:latin typeface="Courier"/>
+              </a:rPr>
+              <a:t>sum</a:t>
+            </a:r>
+            <a:r>
+              <a:rPr>
+                <a:latin typeface="Courier"/>
+              </a:rPr>
+              <a:t>(total_count))</a:t>
+            </a:r>
+          </a:p>
+        </p:txBody>
+      </p:sp>
+    </p:spTree>
+  </p:cSld>
+</p:sld>
+</file>
+
+<file path=ppt/slides/slide8.xml><?xml version="1.0" encoding="utf-8"?>
+<p:sld xmlns:a="http://schemas.openxmlformats.org/drawingml/2006/main" xmlns:r="http://schemas.openxmlformats.org/officeDocument/2006/relationships" xmlns:p="http://schemas.openxmlformats.org/presentationml/2006/main">
+  <p:cSld>
+    <p:spTree>
+      <p:nvGrpSpPr>
+        <p:cNvPr id="1" name=""/>
+        <p:cNvGrpSpPr/>
+        <p:nvPr/>
+      </p:nvGrpSpPr>
+      <p:grpSpPr>
+        <a:xfrm>
+          <a:off x="0" y="0"/>
+          <a:ext cx="0" cy="0"/>
+          <a:chOff x="0" y="0"/>
+          <a:chExt cx="0" cy="0"/>
+        </a:xfrm>
+      </p:grpSpPr>
+      <p:sp>
+        <p:nvSpPr>
+          <p:cNvPr id="2" name="Title 1"/>
+          <p:cNvSpPr>
+            <a:spLocks noGrp="1"/>
+          </p:cNvSpPr>
+          <p:nvPr>
+            <p:ph type="title"/>
+          </p:nvPr>
+        </p:nvSpPr>
+        <p:spPr>
+          <a:xfrm>
+            <a:off x="457201" y="204787"/>
+            <a:ext cx="3008313" cy="871538"/>
+          </a:xfrm>
+        </p:spPr>
+        <p:txBody>
+          <a:bodyPr/>
+          <a:lstStyle/>
+          <a:p>
+            <a:pPr lvl="0" indent="0" marL="0">
+              <a:buNone/>
+            </a:pPr>
+            <a:r>
+              <a:rPr/>
+              <a:t>Plot this Data</a:t>
+            </a:r>
+          </a:p>
+        </p:txBody>
+      </p:sp>
+      <p:sp>
+        <p:nvSpPr>
+          <p:cNvPr id="4" name="Text Placeholder 3"/>
+          <p:cNvSpPr>
+            <a:spLocks noGrp="1"/>
+          </p:cNvSpPr>
+          <p:nvPr>
+            <p:ph idx="2" sz="half" type="body"/>
+          </p:nvPr>
+        </p:nvSpPr>
+        <p:spPr/>
+        <p:txBody>
+          <a:bodyPr/>
+          <a:lstStyle/>
+          <a:p>
+            <a:pPr lvl="0" indent="0" marL="0">
+              <a:buNone/>
+            </a:pPr>
+            <a:r>
+              <a:rPr/>
+              <a:t>Shows the total number of recruits by family per year.</a:t>
+            </a:r>
+          </a:p>
+          <a:p>
+            <a:pPr lvl="0" indent="0">
+              <a:buNone/>
+            </a:pPr>
+            <a:r>
+              <a:rPr>
+                <a:solidFill>
+                  <a:srgbClr val="06287E"/>
+                </a:solidFill>
+                <a:latin typeface="Courier"/>
+              </a:rPr>
+              <a:t>ggplot</a:t>
+            </a:r>
+            <a:r>
+              <a:rPr>
+                <a:latin typeface="Courier"/>
+              </a:rPr>
+              <a:t>(</a:t>
+            </a:r>
+            <a:r>
+              <a:rPr>
+                <a:solidFill>
+                  <a:srgbClr val="7D9029"/>
+                </a:solidFill>
+                <a:latin typeface="Courier"/>
+              </a:rPr>
+              <a:t>data=</a:t>
+            </a:r>
+            <a:r>
+              <a:rPr>
+                <a:latin typeface="Courier"/>
+              </a:rPr>
+              <a:t>recruityears, </a:t>
+            </a:r>
+            <a:br/>
+            <a:r>
+              <a:rPr>
+                <a:latin typeface="Courier"/>
+              </a:rPr>
+              <a:t>       </a:t>
+            </a:r>
+            <a:r>
+              <a:rPr>
+                <a:solidFill>
+                  <a:srgbClr val="06287E"/>
+                </a:solidFill>
+                <a:latin typeface="Courier"/>
+              </a:rPr>
+              <a:t>aes</a:t>
+            </a:r>
+            <a:r>
+              <a:rPr>
+                <a:latin typeface="Courier"/>
+              </a:rPr>
+              <a:t>(</a:t>
+            </a:r>
+            <a:r>
+              <a:rPr>
+                <a:solidFill>
+                  <a:srgbClr val="7D9029"/>
+                </a:solidFill>
+                <a:latin typeface="Courier"/>
+              </a:rPr>
+              <a:t>x=</a:t>
+            </a:r>
+            <a:r>
+              <a:rPr>
+                <a:latin typeface="Courier"/>
+              </a:rPr>
+              <a:t>nominal_year, </a:t>
+            </a:r>
+            <a:br/>
+            <a:r>
+              <a:rPr>
+                <a:latin typeface="Courier"/>
+              </a:rPr>
+              <a:t>           </a:t>
+            </a:r>
+            <a:r>
+              <a:rPr>
+                <a:solidFill>
+                  <a:srgbClr val="7D9029"/>
+                </a:solidFill>
+                <a:latin typeface="Courier"/>
+              </a:rPr>
+              <a:t>y=</a:t>
+            </a:r>
+            <a:r>
+              <a:rPr>
+                <a:latin typeface="Courier"/>
+              </a:rPr>
+              <a:t>sum_total, </a:t>
+            </a:r>
+            <a:br/>
+            <a:r>
+              <a:rPr>
+                <a:latin typeface="Courier"/>
+              </a:rPr>
+              <a:t>           </a:t>
+            </a:r>
+            <a:r>
+              <a:rPr>
+                <a:solidFill>
+                  <a:srgbClr val="7D9029"/>
+                </a:solidFill>
+                <a:latin typeface="Courier"/>
+              </a:rPr>
+              <a:t>fill=</a:t>
+            </a:r>
+            <a:r>
+              <a:rPr>
+                <a:latin typeface="Courier"/>
+              </a:rPr>
+              <a:t>family)) </a:t>
+            </a:r>
+            <a:r>
+              <a:rPr>
+                <a:solidFill>
+                  <a:srgbClr val="4070A0"/>
+                </a:solidFill>
+                <a:latin typeface="Courier"/>
+              </a:rPr>
+              <a:t>+</a:t>
+            </a:r>
+            <a:r>
+              <a:rPr>
+                <a:latin typeface="Courier"/>
+              </a:rPr>
+              <a:t> </a:t>
+            </a:r>
+            <a:br/>
+            <a:r>
+              <a:rPr>
+                <a:latin typeface="Courier"/>
+              </a:rPr>
+              <a:t>  </a:t>
+            </a:r>
+            <a:r>
+              <a:rPr>
+                <a:solidFill>
+                  <a:srgbClr val="06287E"/>
+                </a:solidFill>
+                <a:latin typeface="Courier"/>
+              </a:rPr>
+              <a:t>geom_col</a:t>
+            </a:r>
+            <a:r>
+              <a:rPr>
+                <a:latin typeface="Courier"/>
+              </a:rPr>
+              <a:t>() </a:t>
+            </a:r>
+            <a:r>
+              <a:rPr>
+                <a:solidFill>
+                  <a:srgbClr val="4070A0"/>
+                </a:solidFill>
+                <a:latin typeface="Courier"/>
+              </a:rPr>
+              <a:t>+</a:t>
+            </a:r>
+            <a:r>
+              <a:rPr>
+                <a:latin typeface="Courier"/>
+              </a:rPr>
+              <a:t> </a:t>
+            </a:r>
+            <a:br/>
+            <a:r>
+              <a:rPr>
+                <a:latin typeface="Courier"/>
+              </a:rPr>
+              <a:t>  </a:t>
+            </a:r>
+            <a:r>
+              <a:rPr>
+                <a:solidFill>
+                  <a:srgbClr val="06287E"/>
+                </a:solidFill>
+                <a:latin typeface="Courier"/>
+              </a:rPr>
+              <a:t>labs</a:t>
+            </a:r>
+            <a:r>
+              <a:rPr>
+                <a:latin typeface="Courier"/>
+              </a:rPr>
+              <a:t>(</a:t>
+            </a:r>
+            <a:r>
+              <a:rPr>
+                <a:solidFill>
+                  <a:srgbClr val="7D9029"/>
+                </a:solidFill>
+                <a:latin typeface="Courier"/>
+              </a:rPr>
+              <a:t>x=</a:t>
+            </a:r>
+            <a:r>
+              <a:rPr>
+                <a:solidFill>
+                  <a:srgbClr val="4070A0"/>
+                </a:solidFill>
+                <a:latin typeface="Courier"/>
+              </a:rPr>
+              <a:t>"Year"</a:t>
+            </a:r>
+            <a:r>
+              <a:rPr>
+                <a:latin typeface="Courier"/>
+              </a:rPr>
+              <a:t>, </a:t>
+            </a:r>
+            <a:br/>
+            <a:r>
+              <a:rPr>
+                <a:latin typeface="Courier"/>
+              </a:rPr>
+              <a:t>       </a:t>
+            </a:r>
+            <a:r>
+              <a:rPr>
+                <a:solidFill>
+                  <a:srgbClr val="7D9029"/>
+                </a:solidFill>
+                <a:latin typeface="Courier"/>
+              </a:rPr>
+              <a:t>y=</a:t>
+            </a:r>
+            <a:r>
+              <a:rPr>
+                <a:solidFill>
+                  <a:srgbClr val="4070A0"/>
+                </a:solidFill>
+                <a:latin typeface="Courier"/>
+              </a:rPr>
+              <a:t>"Total Number of Recruits"</a:t>
+            </a:r>
+            <a:r>
+              <a:rPr>
+                <a:latin typeface="Courier"/>
+              </a:rPr>
+              <a:t>, </a:t>
+            </a:r>
+            <a:br/>
+            <a:r>
+              <a:rPr>
+                <a:latin typeface="Courier"/>
+              </a:rPr>
+              <a:t>       </a:t>
+            </a:r>
+            <a:r>
+              <a:rPr>
+                <a:solidFill>
+                  <a:srgbClr val="7D9029"/>
+                </a:solidFill>
+                <a:latin typeface="Courier"/>
+              </a:rPr>
+              <a:t>title=</a:t>
+            </a:r>
+            <a:r>
+              <a:rPr>
+                <a:solidFill>
+                  <a:srgbClr val="4070A0"/>
+                </a:solidFill>
+                <a:latin typeface="Courier"/>
+              </a:rPr>
+              <a:t>"Total Number of Recruits by Family from 2006-2016"</a:t>
+            </a:r>
+            <a:r>
+              <a:rPr>
+                <a:latin typeface="Courier"/>
+              </a:rPr>
+              <a:t>, </a:t>
+            </a:r>
+            <a:br/>
+            <a:r>
+              <a:rPr>
+                <a:latin typeface="Courier"/>
+              </a:rPr>
+              <a:t>       </a:t>
+            </a:r>
+            <a:r>
+              <a:rPr>
+                <a:solidFill>
+                  <a:srgbClr val="7D9029"/>
+                </a:solidFill>
+                <a:latin typeface="Courier"/>
+              </a:rPr>
+              <a:t>fill=</a:t>
+            </a:r>
+            <a:r>
+              <a:rPr>
+                <a:solidFill>
+                  <a:srgbClr val="4070A0"/>
+                </a:solidFill>
+                <a:latin typeface="Courier"/>
+              </a:rPr>
+              <a:t>"Coral Family"</a:t>
+            </a:r>
+            <a:r>
+              <a:rPr>
+                <a:latin typeface="Courier"/>
+              </a:rPr>
+              <a:t>) </a:t>
+            </a:r>
+            <a:r>
+              <a:rPr>
+                <a:solidFill>
+                  <a:srgbClr val="4070A0"/>
+                </a:solidFill>
+                <a:latin typeface="Courier"/>
+              </a:rPr>
+              <a:t>+</a:t>
+            </a:r>
+            <a:r>
+              <a:rPr>
+                <a:latin typeface="Courier"/>
+              </a:rPr>
+              <a:t> </a:t>
+            </a:r>
+            <a:br/>
+            <a:r>
+              <a:rPr>
+                <a:latin typeface="Courier"/>
+              </a:rPr>
+              <a:t>  </a:t>
+            </a:r>
+            <a:r>
+              <a:rPr>
+                <a:solidFill>
+                  <a:srgbClr val="06287E"/>
+                </a:solidFill>
+                <a:latin typeface="Courier"/>
+              </a:rPr>
+              <a:t>facet_wrap</a:t>
+            </a:r>
+            <a:r>
+              <a:rPr>
+                <a:latin typeface="Courier"/>
+              </a:rPr>
+              <a:t>(</a:t>
+            </a:r>
+            <a:r>
+              <a:rPr>
+                <a:solidFill>
+                  <a:srgbClr val="4070A0"/>
+                </a:solidFill>
+                <a:latin typeface="Courier"/>
+              </a:rPr>
+              <a:t>~</a:t>
+            </a:r>
+            <a:r>
+              <a:rPr>
+                <a:latin typeface="Courier"/>
+              </a:rPr>
+              <a:t>habitat) </a:t>
+            </a:r>
+            <a:r>
+              <a:rPr>
+                <a:solidFill>
+                  <a:srgbClr val="4070A0"/>
+                </a:solidFill>
+                <a:latin typeface="Courier"/>
+              </a:rPr>
+              <a:t>+</a:t>
+            </a:r>
+            <a:r>
+              <a:rPr>
+                <a:latin typeface="Courier"/>
+              </a:rPr>
+              <a:t> </a:t>
+            </a:r>
+            <a:br/>
+            <a:r>
+              <a:rPr>
+                <a:latin typeface="Courier"/>
+              </a:rPr>
+              <a:t>  </a:t>
+            </a:r>
+            <a:r>
+              <a:rPr>
+                <a:solidFill>
+                  <a:srgbClr val="06287E"/>
+                </a:solidFill>
+                <a:latin typeface="Courier"/>
+              </a:rPr>
+              <a:t>theme_linedraw</a:t>
+            </a:r>
+            <a:r>
+              <a:rPr>
+                <a:latin typeface="Courier"/>
+              </a:rPr>
+              <a:t>() </a:t>
+            </a:r>
+            <a:r>
+              <a:rPr>
+                <a:solidFill>
+                  <a:srgbClr val="4070A0"/>
+                </a:solidFill>
+                <a:latin typeface="Courier"/>
+              </a:rPr>
+              <a:t>+</a:t>
+            </a:r>
+            <a:r>
+              <a:rPr>
+                <a:latin typeface="Courier"/>
+              </a:rPr>
+              <a:t> </a:t>
+            </a:r>
+            <a:br/>
+            <a:r>
+              <a:rPr>
+                <a:latin typeface="Courier"/>
+              </a:rPr>
+              <a:t>  </a:t>
+            </a:r>
+            <a:r>
+              <a:rPr>
+                <a:solidFill>
+                  <a:srgbClr val="06287E"/>
+                </a:solidFill>
+                <a:latin typeface="Courier"/>
+              </a:rPr>
+              <a:t>theme</a:t>
+            </a:r>
+            <a:r>
+              <a:rPr>
+                <a:latin typeface="Courier"/>
+              </a:rPr>
+              <a:t>(</a:t>
+            </a:r>
+            <a:r>
+              <a:rPr>
+                <a:solidFill>
+                  <a:srgbClr val="7D9029"/>
+                </a:solidFill>
+                <a:latin typeface="Courier"/>
+              </a:rPr>
+              <a:t>plot.title=</a:t>
+            </a:r>
+            <a:r>
+              <a:rPr>
+                <a:solidFill>
+                  <a:srgbClr val="06287E"/>
+                </a:solidFill>
+                <a:latin typeface="Courier"/>
+              </a:rPr>
+              <a:t>element_text</a:t>
+            </a:r>
+            <a:r>
+              <a:rPr>
+                <a:latin typeface="Courier"/>
+              </a:rPr>
+              <a:t>(</a:t>
+            </a:r>
+            <a:r>
+              <a:rPr>
+                <a:solidFill>
+                  <a:srgbClr val="7D9029"/>
+                </a:solidFill>
+                <a:latin typeface="Courier"/>
+              </a:rPr>
+              <a:t>hjust=</a:t>
+            </a:r>
+            <a:r>
+              <a:rPr>
+                <a:solidFill>
+                  <a:srgbClr val="40A070"/>
+                </a:solidFill>
+                <a:latin typeface="Courier"/>
+              </a:rPr>
+              <a:t>0.5</a:t>
+            </a:r>
+            <a:r>
+              <a:rPr>
+                <a:latin typeface="Courier"/>
+              </a:rPr>
+              <a:t>),</a:t>
+            </a:r>
+            <a:br/>
+            <a:r>
+              <a:rPr>
+                <a:latin typeface="Courier"/>
+              </a:rPr>
+              <a:t>        </a:t>
+            </a:r>
+            <a:r>
+              <a:rPr>
+                <a:solidFill>
+                  <a:srgbClr val="7D9029"/>
+                </a:solidFill>
+                <a:latin typeface="Courier"/>
+              </a:rPr>
+              <a:t>axis.text.x=</a:t>
+            </a:r>
+            <a:r>
+              <a:rPr>
+                <a:solidFill>
+                  <a:srgbClr val="06287E"/>
+                </a:solidFill>
+                <a:latin typeface="Courier"/>
+              </a:rPr>
+              <a:t>element_text</a:t>
+            </a:r>
+            <a:r>
+              <a:rPr>
+                <a:latin typeface="Courier"/>
+              </a:rPr>
+              <a:t>(</a:t>
+            </a:r>
+            <a:r>
+              <a:rPr>
+                <a:solidFill>
+                  <a:srgbClr val="7D9029"/>
+                </a:solidFill>
+                <a:latin typeface="Courier"/>
+              </a:rPr>
+              <a:t>size=</a:t>
+            </a:r>
+            <a:r>
+              <a:rPr>
+                <a:solidFill>
+                  <a:srgbClr val="40A070"/>
+                </a:solidFill>
+                <a:latin typeface="Courier"/>
+              </a:rPr>
+              <a:t>10</a:t>
+            </a:r>
+            <a:r>
+              <a:rPr>
+                <a:latin typeface="Courier"/>
+              </a:rPr>
+              <a:t>, </a:t>
+            </a:r>
+            <a:r>
+              <a:rPr>
+                <a:solidFill>
+                  <a:srgbClr val="7D9029"/>
+                </a:solidFill>
+                <a:latin typeface="Courier"/>
+              </a:rPr>
+              <a:t>angle =</a:t>
+            </a:r>
+            <a:r>
+              <a:rPr>
+                <a:latin typeface="Courier"/>
+              </a:rPr>
+              <a:t> </a:t>
+            </a:r>
+            <a:r>
+              <a:rPr>
+                <a:solidFill>
+                  <a:srgbClr val="40A070"/>
+                </a:solidFill>
+                <a:latin typeface="Courier"/>
+              </a:rPr>
+              <a:t>45</a:t>
+            </a:r>
+            <a:r>
+              <a:rPr>
+                <a:latin typeface="Courier"/>
+              </a:rPr>
+              <a:t>, </a:t>
+            </a:r>
+            <a:r>
+              <a:rPr>
+                <a:solidFill>
+                  <a:srgbClr val="7D9029"/>
+                </a:solidFill>
+                <a:latin typeface="Courier"/>
+              </a:rPr>
+              <a:t>vjust=</a:t>
+            </a:r>
+            <a:r>
+              <a:rPr>
+                <a:solidFill>
+                  <a:srgbClr val="40A070"/>
+                </a:solidFill>
+                <a:latin typeface="Courier"/>
+              </a:rPr>
+              <a:t>0.5</a:t>
+            </a:r>
+            <a:r>
+              <a:rPr>
+                <a:latin typeface="Courier"/>
+              </a:rPr>
+              <a:t>), </a:t>
+            </a:r>
+            <a:r>
+              <a:rPr i="1">
+                <a:solidFill>
+                  <a:srgbClr val="BA2121"/>
+                </a:solidFill>
+                <a:latin typeface="Courier"/>
+              </a:rPr>
+              <a:t>##to get the x axis slightly angled so text is not on top of each other. vjust moves text away from the actual axis </a:t>
+            </a:r>
+            <a:br/>
+            <a:r>
+              <a:rPr>
+                <a:latin typeface="Courier"/>
+              </a:rPr>
+              <a:t>        </a:t>
+            </a:r>
+            <a:r>
+              <a:rPr>
+                <a:solidFill>
+                  <a:srgbClr val="7D9029"/>
+                </a:solidFill>
+                <a:latin typeface="Courier"/>
+              </a:rPr>
+              <a:t>axis.text.y=</a:t>
+            </a:r>
+            <a:r>
+              <a:rPr>
+                <a:solidFill>
+                  <a:srgbClr val="06287E"/>
+                </a:solidFill>
+                <a:latin typeface="Courier"/>
+              </a:rPr>
+              <a:t>element_text</a:t>
+            </a:r>
+            <a:r>
+              <a:rPr>
+                <a:latin typeface="Courier"/>
+              </a:rPr>
+              <a:t>(</a:t>
+            </a:r>
+            <a:r>
+              <a:rPr>
+                <a:solidFill>
+                  <a:srgbClr val="7D9029"/>
+                </a:solidFill>
+                <a:latin typeface="Courier"/>
+              </a:rPr>
+              <a:t>size=</a:t>
+            </a:r>
+            <a:r>
+              <a:rPr>
+                <a:solidFill>
+                  <a:srgbClr val="40A070"/>
+                </a:solidFill>
+                <a:latin typeface="Courier"/>
+              </a:rPr>
+              <a:t>10</a:t>
+            </a:r>
+            <a:r>
+              <a:rPr>
+                <a:latin typeface="Courier"/>
+              </a:rPr>
+              <a:t>), </a:t>
+            </a:r>
+            <a:br/>
+            <a:r>
+              <a:rPr>
+                <a:latin typeface="Courier"/>
+              </a:rPr>
+              <a:t>        </a:t>
+            </a:r>
+            <a:r>
+              <a:rPr>
+                <a:solidFill>
+                  <a:srgbClr val="7D9029"/>
+                </a:solidFill>
+                <a:latin typeface="Courier"/>
+              </a:rPr>
+              <a:t>axis.title.x=</a:t>
+            </a:r>
+            <a:r>
+              <a:rPr>
+                <a:solidFill>
+                  <a:srgbClr val="06287E"/>
+                </a:solidFill>
+                <a:latin typeface="Courier"/>
+              </a:rPr>
+              <a:t>element_text</a:t>
+            </a:r>
+            <a:r>
+              <a:rPr>
+                <a:latin typeface="Courier"/>
+              </a:rPr>
+              <a:t>(</a:t>
+            </a:r>
+            <a:r>
+              <a:rPr>
+                <a:solidFill>
+                  <a:srgbClr val="7D9029"/>
+                </a:solidFill>
+                <a:latin typeface="Courier"/>
+              </a:rPr>
+              <a:t>size=</a:t>
+            </a:r>
+            <a:r>
+              <a:rPr>
+                <a:solidFill>
+                  <a:srgbClr val="40A070"/>
+                </a:solidFill>
+                <a:latin typeface="Courier"/>
+              </a:rPr>
+              <a:t>12</a:t>
+            </a:r>
+            <a:r>
+              <a:rPr>
+                <a:latin typeface="Courier"/>
+              </a:rPr>
+              <a:t>),</a:t>
+            </a:r>
+            <a:br/>
+            <a:r>
+              <a:rPr>
+                <a:latin typeface="Courier"/>
+              </a:rPr>
+              <a:t>        </a:t>
+            </a:r>
+            <a:r>
+              <a:rPr>
+                <a:solidFill>
+                  <a:srgbClr val="7D9029"/>
+                </a:solidFill>
+                <a:latin typeface="Courier"/>
+              </a:rPr>
+              <a:t>axis.title.y=</a:t>
+            </a:r>
+            <a:r>
+              <a:rPr>
+                <a:solidFill>
+                  <a:srgbClr val="06287E"/>
+                </a:solidFill>
+                <a:latin typeface="Courier"/>
+              </a:rPr>
+              <a:t>element_text</a:t>
+            </a:r>
+            <a:r>
+              <a:rPr>
+                <a:latin typeface="Courier"/>
+              </a:rPr>
+              <a:t>(</a:t>
+            </a:r>
+            <a:r>
+              <a:rPr>
+                <a:solidFill>
+                  <a:srgbClr val="7D9029"/>
+                </a:solidFill>
+                <a:latin typeface="Courier"/>
+              </a:rPr>
+              <a:t>size=</a:t>
+            </a:r>
+            <a:r>
+              <a:rPr>
+                <a:solidFill>
+                  <a:srgbClr val="40A070"/>
+                </a:solidFill>
+                <a:latin typeface="Courier"/>
+              </a:rPr>
+              <a:t>12</a:t>
+            </a:r>
+            <a:r>
+              <a:rPr>
+                <a:latin typeface="Courier"/>
+              </a:rPr>
+              <a:t>)) </a:t>
+            </a:r>
+            <a:r>
+              <a:rPr>
+                <a:solidFill>
+                  <a:srgbClr val="4070A0"/>
+                </a:solidFill>
+                <a:latin typeface="Courier"/>
+              </a:rPr>
+              <a:t>+</a:t>
+            </a:r>
+            <a:br/>
+            <a:r>
+              <a:rPr>
+                <a:latin typeface="Courier"/>
+              </a:rPr>
+              <a:t>  </a:t>
+            </a:r>
+            <a:r>
+              <a:rPr>
+                <a:solidFill>
+                  <a:srgbClr val="06287E"/>
+                </a:solidFill>
+                <a:latin typeface="Courier"/>
+              </a:rPr>
+              <a:t>scale_x_continuous</a:t>
+            </a:r>
+            <a:r>
+              <a:rPr>
+                <a:latin typeface="Courier"/>
+              </a:rPr>
+              <a:t>(</a:t>
+            </a:r>
+            <a:r>
+              <a:rPr>
+                <a:solidFill>
+                  <a:srgbClr val="7D9029"/>
+                </a:solidFill>
+                <a:latin typeface="Courier"/>
+              </a:rPr>
+              <a:t>breaks =</a:t>
+            </a:r>
+            <a:r>
+              <a:rPr>
+                <a:latin typeface="Courier"/>
+              </a:rPr>
+              <a:t> </a:t>
+            </a:r>
+            <a:r>
+              <a:rPr>
+                <a:solidFill>
+                  <a:srgbClr val="06287E"/>
+                </a:solidFill>
+                <a:latin typeface="Courier"/>
+              </a:rPr>
+              <a:t>c</a:t>
+            </a:r>
+            <a:r>
+              <a:rPr>
+                <a:latin typeface="Courier"/>
+              </a:rPr>
+              <a:t>(</a:t>
+            </a:r>
+            <a:r>
+              <a:rPr>
+                <a:solidFill>
+                  <a:srgbClr val="40A070"/>
+                </a:solidFill>
+                <a:latin typeface="Courier"/>
+              </a:rPr>
+              <a:t>2006</a:t>
+            </a:r>
+            <a:r>
+              <a:rPr>
+                <a:latin typeface="Courier"/>
+              </a:rPr>
+              <a:t>, </a:t>
+            </a:r>
+            <a:r>
+              <a:rPr>
+                <a:solidFill>
+                  <a:srgbClr val="40A070"/>
+                </a:solidFill>
+                <a:latin typeface="Courier"/>
+              </a:rPr>
+              <a:t>2007</a:t>
+            </a:r>
+            <a:r>
+              <a:rPr>
+                <a:latin typeface="Courier"/>
+              </a:rPr>
+              <a:t>, </a:t>
+            </a:r>
+            <a:r>
+              <a:rPr>
+                <a:solidFill>
+                  <a:srgbClr val="40A070"/>
+                </a:solidFill>
+                <a:latin typeface="Courier"/>
+              </a:rPr>
+              <a:t>2008</a:t>
+            </a:r>
+            <a:r>
+              <a:rPr>
+                <a:latin typeface="Courier"/>
+              </a:rPr>
+              <a:t>, </a:t>
+            </a:r>
+            <a:r>
+              <a:rPr>
+                <a:solidFill>
+                  <a:srgbClr val="40A070"/>
+                </a:solidFill>
+                <a:latin typeface="Courier"/>
+              </a:rPr>
+              <a:t>2009</a:t>
+            </a:r>
+            <a:r>
+              <a:rPr>
+                <a:latin typeface="Courier"/>
+              </a:rPr>
+              <a:t>, </a:t>
+            </a:r>
+            <a:r>
+              <a:rPr>
+                <a:solidFill>
+                  <a:srgbClr val="40A070"/>
+                </a:solidFill>
+                <a:latin typeface="Courier"/>
+              </a:rPr>
+              <a:t>2010</a:t>
+            </a:r>
+            <a:r>
+              <a:rPr>
+                <a:latin typeface="Courier"/>
+              </a:rPr>
+              <a:t>, </a:t>
+            </a:r>
+            <a:r>
+              <a:rPr>
+                <a:solidFill>
+                  <a:srgbClr val="40A070"/>
+                </a:solidFill>
+                <a:latin typeface="Courier"/>
+              </a:rPr>
+              <a:t>2011</a:t>
+            </a:r>
+            <a:r>
+              <a:rPr>
+                <a:latin typeface="Courier"/>
+              </a:rPr>
+              <a:t>, </a:t>
+            </a:r>
+            <a:r>
+              <a:rPr>
+                <a:solidFill>
+                  <a:srgbClr val="40A070"/>
+                </a:solidFill>
+                <a:latin typeface="Courier"/>
+              </a:rPr>
+              <a:t>2012</a:t>
+            </a:r>
+            <a:r>
+              <a:rPr>
+                <a:latin typeface="Courier"/>
+              </a:rPr>
+              <a:t>, </a:t>
+            </a:r>
+            <a:r>
+              <a:rPr>
+                <a:solidFill>
+                  <a:srgbClr val="40A070"/>
+                </a:solidFill>
+                <a:latin typeface="Courier"/>
+              </a:rPr>
+              <a:t>2013</a:t>
+            </a:r>
+            <a:r>
+              <a:rPr>
+                <a:latin typeface="Courier"/>
+              </a:rPr>
+              <a:t>, </a:t>
+            </a:r>
+            <a:r>
+              <a:rPr>
+                <a:solidFill>
+                  <a:srgbClr val="40A070"/>
+                </a:solidFill>
+                <a:latin typeface="Courier"/>
+              </a:rPr>
+              <a:t>2014</a:t>
+            </a:r>
+            <a:r>
+              <a:rPr>
+                <a:latin typeface="Courier"/>
+              </a:rPr>
+              <a:t>, </a:t>
+            </a:r>
+            <a:r>
+              <a:rPr>
+                <a:solidFill>
+                  <a:srgbClr val="40A070"/>
+                </a:solidFill>
+                <a:latin typeface="Courier"/>
+              </a:rPr>
+              <a:t>2015</a:t>
+            </a:r>
+            <a:r>
+              <a:rPr>
+                <a:latin typeface="Courier"/>
+              </a:rPr>
+              <a:t>, </a:t>
+            </a:r>
+            <a:r>
+              <a:rPr>
+                <a:solidFill>
+                  <a:srgbClr val="40A070"/>
+                </a:solidFill>
+                <a:latin typeface="Courier"/>
+              </a:rPr>
+              <a:t>2016</a:t>
+            </a:r>
+            <a:r>
+              <a:rPr>
+                <a:latin typeface="Courier"/>
+              </a:rPr>
+              <a:t>)) </a:t>
+            </a:r>
+            <a:r>
+              <a:rPr>
+                <a:solidFill>
+                  <a:srgbClr val="4070A0"/>
+                </a:solidFill>
+                <a:latin typeface="Courier"/>
+              </a:rPr>
+              <a:t>+</a:t>
+            </a:r>
+            <a:r>
+              <a:rPr>
+                <a:latin typeface="Courier"/>
+              </a:rPr>
+              <a:t> </a:t>
+            </a:r>
+            <a:r>
+              <a:rPr i="1">
+                <a:solidFill>
+                  <a:srgbClr val="BA2121"/>
+                </a:solidFill>
+                <a:latin typeface="Courier"/>
+              </a:rPr>
+              <a:t>##allows you to specifically decide what you want the column breaks to be </a:t>
+            </a:r>
+            <a:br/>
+            <a:r>
+              <a:rPr>
+                <a:latin typeface="Courier"/>
+              </a:rPr>
+              <a:t>  </a:t>
+            </a:r>
+            <a:r>
+              <a:rPr>
+                <a:solidFill>
+                  <a:srgbClr val="06287E"/>
+                </a:solidFill>
+                <a:latin typeface="Courier"/>
+              </a:rPr>
+              <a:t>scale_fill_manual</a:t>
+            </a:r>
+            <a:r>
+              <a:rPr>
+                <a:latin typeface="Courier"/>
+              </a:rPr>
+              <a:t>(</a:t>
+            </a:r>
+            <a:r>
+              <a:rPr>
+                <a:solidFill>
+                  <a:srgbClr val="7D9029"/>
+                </a:solidFill>
+                <a:latin typeface="Courier"/>
+              </a:rPr>
+              <a:t>values=</a:t>
+            </a:r>
+            <a:r>
+              <a:rPr>
+                <a:solidFill>
+                  <a:srgbClr val="06287E"/>
+                </a:solidFill>
+                <a:latin typeface="Courier"/>
+              </a:rPr>
+              <a:t>pnw_palette</a:t>
+            </a:r>
+            <a:r>
+              <a:rPr>
+                <a:latin typeface="Courier"/>
+              </a:rPr>
+              <a:t>(</a:t>
+            </a:r>
+            <a:r>
+              <a:rPr>
+                <a:solidFill>
+                  <a:srgbClr val="4070A0"/>
+                </a:solidFill>
+                <a:latin typeface="Courier"/>
+              </a:rPr>
+              <a:t>"Sunset2"</a:t>
+            </a:r>
+            <a:r>
+              <a:rPr>
+                <a:latin typeface="Courier"/>
+              </a:rPr>
+              <a:t>, </a:t>
+            </a:r>
+            <a:r>
+              <a:rPr>
+                <a:solidFill>
+                  <a:srgbClr val="7D9029"/>
+                </a:solidFill>
+                <a:latin typeface="Courier"/>
+              </a:rPr>
+              <a:t>n=</a:t>
+            </a:r>
+            <a:r>
+              <a:rPr>
+                <a:solidFill>
+                  <a:srgbClr val="40A070"/>
+                </a:solidFill>
+                <a:latin typeface="Courier"/>
+              </a:rPr>
+              <a:t>3</a:t>
+            </a:r>
+            <a:r>
+              <a:rPr>
+                <a:latin typeface="Courier"/>
+              </a:rPr>
+              <a:t>))</a:t>
+            </a:r>
+          </a:p>
+        </p:txBody>
+      </p:sp>
+      <p:pic>
+        <p:nvPicPr>
+          <p:cNvPr descr=".../Outputs/recruit_total-1.png" id="0" name="Picture 1"/>
+          <p:cNvPicPr>
+            <a:picLocks noGrp="1" noChangeAspect="1"/>
+          </p:cNvPicPr>
+          <p:nvPr/>
+        </p:nvPicPr>
+        <p:blipFill>
+          <a:blip r:embed="rId2"/>
+          <a:stretch>
+            <a:fillRect/>
+          </a:stretch>
+        </p:blipFill>
+        <p:spPr bwMode="auto">
+          <a:xfrm>
+            <a:off x="3568700" y="355600"/>
+            <a:ext cx="5105400" cy="4089400"/>
+          </a:xfrm>
+          <a:prstGeom prst="rect">
+            <a:avLst/>
+          </a:prstGeom>
+          <a:noFill/>
+          <a:ln w="9525">
+            <a:noFill/>
+            <a:headEnd/>
+            <a:tailEnd/>
+          </a:ln>
+        </p:spPr>
+      </p:pic>
+    </p:spTree>
+  </p:cSld>
+</p:sld>
+</file>
+
+<file path=ppt/slides/slide9.xml><?xml version="1.0" encoding="utf-8"?>
+<p:sld xmlns:a="http://schemas.openxmlformats.org/drawingml/2006/main" xmlns:r="http://schemas.openxmlformats.org/officeDocument/2006/relationships" xmlns:p="http://schemas.openxmlformats.org/presentationml/2006/main">
+  <p:cSld>
+    <p:spTree>
+      <p:nvGrpSpPr>
+        <p:cNvPr id="1" name=""/>
+        <p:cNvGrpSpPr/>
+        <p:nvPr/>
+      </p:nvGrpSpPr>
+      <p:grpSpPr>
+        <a:xfrm>
+          <a:off x="0" y="0"/>
+          <a:ext cx="0" cy="0"/>
+          <a:chOff x="0" y="0"/>
+          <a:chExt cx="0" cy="0"/>
+        </a:xfrm>
+      </p:grpSpPr>
+      <p:sp>
+        <p:nvSpPr>
+          <p:cNvPr id="3" name="Content Placeholder 2"/>
+          <p:cNvSpPr>
+            <a:spLocks noGrp="1"/>
+          </p:cNvSpPr>
+          <p:nvPr>
+            <p:ph idx="1"/>
+          </p:nvPr>
+        </p:nvSpPr>
+        <p:spPr/>
+        <p:txBody>
+          <a:bodyPr/>
+          <a:lstStyle/>
+          <a:p>
+            <a:pPr lvl="0" indent="0" marL="0">
+              <a:buNone/>
+            </a:pPr>
+          </a:p>
+          <a:p>
+            <a:pPr lvl="0" indent="0">
+              <a:buNone/>
+            </a:pPr>
+            <a:r>
+              <a:rPr>
+                <a:solidFill>
+                  <a:srgbClr val="06287E"/>
+                </a:solidFill>
+                <a:latin typeface="Courier"/>
+              </a:rPr>
+              <a:t>ggsave</a:t>
+            </a:r>
+            <a:r>
+              <a:rPr>
+                <a:latin typeface="Courier"/>
+              </a:rPr>
+              <a:t>(</a:t>
+            </a:r>
+            <a:r>
+              <a:rPr>
+                <a:solidFill>
+                  <a:srgbClr val="06287E"/>
+                </a:solidFill>
+                <a:latin typeface="Courier"/>
+              </a:rPr>
+              <a:t>here</a:t>
+            </a:r>
+            <a:r>
+              <a:rPr>
+                <a:latin typeface="Courier"/>
+              </a:rPr>
+              <a:t>(</a:t>
+            </a:r>
+            <a:r>
+              <a:rPr>
+                <a:solidFill>
+                  <a:srgbClr val="4070A0"/>
+                </a:solidFill>
+                <a:latin typeface="Courier"/>
+              </a:rPr>
+              <a:t>"Outputs"</a:t>
+            </a:r>
+            <a:r>
+              <a:rPr>
+                <a:latin typeface="Courier"/>
+              </a:rPr>
+              <a:t>, </a:t>
+            </a:r>
+            <a:r>
+              <a:rPr>
+                <a:solidFill>
+                  <a:srgbClr val="4070A0"/>
+                </a:solidFill>
+                <a:latin typeface="Courier"/>
+              </a:rPr>
+              <a:t>"totalrecruitment2.jpg"</a:t>
+            </a:r>
+            <a:r>
+              <a:rPr>
+                <a:latin typeface="Courier"/>
+              </a:rPr>
+              <a:t>), </a:t>
+            </a:r>
+            <a:br/>
+            <a:r>
+              <a:rPr>
+                <a:latin typeface="Courier"/>
+              </a:rPr>
+              <a:t>       </a:t>
+            </a:r>
+            <a:r>
+              <a:rPr>
+                <a:solidFill>
+                  <a:srgbClr val="7D9029"/>
+                </a:solidFill>
+                <a:latin typeface="Courier"/>
+              </a:rPr>
+              <a:t>width=</a:t>
+            </a:r>
+            <a:r>
+              <a:rPr>
+                <a:solidFill>
+                  <a:srgbClr val="40A070"/>
+                </a:solidFill>
+                <a:latin typeface="Courier"/>
+              </a:rPr>
+              <a:t>10</a:t>
+            </a:r>
+            <a:r>
+              <a:rPr>
+                <a:latin typeface="Courier"/>
+              </a:rPr>
+              <a:t>, </a:t>
+            </a:r>
+            <a:r>
+              <a:rPr>
+                <a:solidFill>
+                  <a:srgbClr val="7D9029"/>
+                </a:solidFill>
+                <a:latin typeface="Courier"/>
+              </a:rPr>
+              <a:t>height=</a:t>
+            </a:r>
+            <a:r>
+              <a:rPr>
+                <a:solidFill>
+                  <a:srgbClr val="40A070"/>
+                </a:solidFill>
+                <a:latin typeface="Courier"/>
+              </a:rPr>
+              <a:t>7</a:t>
+            </a:r>
+            <a:r>
+              <a:rPr>
+                <a:latin typeface="Courier"/>
+              </a:rPr>
+              <a:t>)</a:t>
+            </a:r>
+          </a:p>
+        </p:txBody>
+      </p:sp>
+    </p:spTree>
+  </p:cSld>
 </p:sld>
 </file>
 
@@ -3980,4 +7457,265 @@
   </a:objectDefaults>
   <a:extraClrSchemeLst/>
 </a:theme>
+</file>
+
+<file path=ppt/theme/theme2.xml><?xml version="1.0" encoding="utf-8"?>
+<a:theme xmlns:a="http://schemas.openxmlformats.org/drawingml/2006/main" name="Office Theme">
+  <a:themeElements>
+    <a:clrScheme name="Office">
+      <a:dk1>
+        <a:sysClr val="windowText" lastClr="000000"/>
+      </a:dk1>
+      <a:lt1>
+        <a:sysClr val="window" lastClr="FFFFFF"/>
+      </a:lt1>
+      <a:dk2>
+        <a:srgbClr val="44546A"/>
+      </a:dk2>
+      <a:lt2>
+        <a:srgbClr val="E7E6E6"/>
+      </a:lt2>
+      <a:accent1>
+        <a:srgbClr val="5B9BD5"/>
+      </a:accent1>
+      <a:accent2>
+        <a:srgbClr val="ED7D31"/>
+      </a:accent2>
+      <a:accent3>
+        <a:srgbClr val="A5A5A5"/>
+      </a:accent3>
+      <a:accent4>
+        <a:srgbClr val="FFC000"/>
+      </a:accent4>
+      <a:accent5>
+        <a:srgbClr val="4472C4"/>
+      </a:accent5>
+      <a:accent6>
+        <a:srgbClr val="70AD47"/>
+      </a:accent6>
+      <a:hlink>
+        <a:srgbClr val="0563C1"/>
+      </a:hlink>
+      <a:folHlink>
+        <a:srgbClr val="954F72"/>
+      </a:folHlink>
+    </a:clrScheme>
+    <a:fontScheme name="Office">
+      <a:majorFont>
+        <a:latin typeface="Calibri Light" panose="020F0302020204030204"/>
+        <a:ea typeface=""/>
+        <a:cs typeface=""/>
+        <a:font script="Jpan" typeface="ＭＳ Ｐゴシック"/>
+        <a:font script="Hang" typeface="맑은 고딕"/>
+        <a:font script="Hans" typeface="宋体"/>
+        <a:font script="Hant" typeface="新細明體"/>
+        <a:font script="Arab" typeface="Times New Roman"/>
+        <a:font script="Hebr" typeface="Times New Roman"/>
+        <a:font script="Thai" typeface="Angsana New"/>
+        <a:font script="Ethi" typeface="Nyala"/>
+        <a:font script="Beng" typeface="Vrinda"/>
+        <a:font script="Gujr" typeface="Shruti"/>
+        <a:font script="Khmr" typeface="MoolBoran"/>
+        <a:font script="Knda" typeface="Tunga"/>
+        <a:font script="Guru" typeface="Raavi"/>
+        <a:font script="Cans" typeface="Euphemia"/>
+        <a:font script="Cher" typeface="Plantagenet Cherokee"/>
+        <a:font script="Yiii" typeface="Microsoft Yi Baiti"/>
+        <a:font script="Tibt" typeface="Microsoft Himalaya"/>
+        <a:font script="Thaa" typeface="MV Boli"/>
+        <a:font script="Deva" typeface="Mangal"/>
+        <a:font script="Telu" typeface="Gautami"/>
+        <a:font script="Taml" typeface="Latha"/>
+        <a:font script="Syrc" typeface="Estrangelo Edessa"/>
+        <a:font script="Orya" typeface="Kalinga"/>
+        <a:font script="Mlym" typeface="Kartika"/>
+        <a:font script="Laoo" typeface="DokChampa"/>
+        <a:font script="Sinh" typeface="Iskoola Pota"/>
+        <a:font script="Mong" typeface="Mongolian Baiti"/>
+        <a:font script="Viet" typeface="Times New Roman"/>
+        <a:font script="Uigh" typeface="Microsoft Uighur"/>
+        <a:font script="Geor" typeface="Sylfaen"/>
+      </a:majorFont>
+      <a:minorFont>
+        <a:latin typeface="Calibri" panose="020F0502020204030204"/>
+        <a:ea typeface=""/>
+        <a:cs typeface=""/>
+        <a:font script="Jpan" typeface="ＭＳ Ｐゴシック"/>
+        <a:font script="Hang" typeface="맑은 고딕"/>
+        <a:font script="Hans" typeface="宋体"/>
+        <a:font script="Hant" typeface="新細明體"/>
+        <a:font script="Arab" typeface="Arial"/>
+        <a:font script="Hebr" typeface="Arial"/>
+        <a:font script="Thai" typeface="Cordia New"/>
+        <a:font script="Ethi" typeface="Nyala"/>
+        <a:font script="Beng" typeface="Vrinda"/>
+        <a:font script="Gujr" typeface="Shruti"/>
+        <a:font script="Khmr" typeface="DaunPenh"/>
+        <a:font script="Knda" typeface="Tunga"/>
+        <a:font script="Guru" typeface="Raavi"/>
+        <a:font script="Cans" typeface="Euphemia"/>
+        <a:font script="Cher" typeface="Plantagenet Cherokee"/>
+        <a:font script="Yiii" typeface="Microsoft Yi Baiti"/>
+        <a:font script="Tibt" typeface="Microsoft Himalaya"/>
+        <a:font script="Thaa" typeface="MV Boli"/>
+        <a:font script="Deva" typeface="Mangal"/>
+        <a:font script="Telu" typeface="Gautami"/>
+        <a:font script="Taml" typeface="Latha"/>
+        <a:font script="Syrc" typeface="Estrangelo Edessa"/>
+        <a:font script="Orya" typeface="Kalinga"/>
+        <a:font script="Mlym" typeface="Kartika"/>
+        <a:font script="Laoo" typeface="DokChampa"/>
+        <a:font script="Sinh" typeface="Iskoola Pota"/>
+        <a:font script="Mong" typeface="Mongolian Baiti"/>
+        <a:font script="Viet" typeface="Arial"/>
+        <a:font script="Uigh" typeface="Microsoft Uighur"/>
+        <a:font script="Geor" typeface="Sylfaen"/>
+      </a:minorFont>
+    </a:fontScheme>
+    <a:fmtScheme name="Office">
+      <a:fillStyleLst>
+        <a:solidFill>
+          <a:schemeClr val="phClr"/>
+        </a:solidFill>
+        <a:gradFill rotWithShape="1">
+          <a:gsLst>
+            <a:gs pos="0">
+              <a:schemeClr val="phClr">
+                <a:lumMod val="110000"/>
+                <a:satMod val="105000"/>
+                <a:tint val="67000"/>
+              </a:schemeClr>
+            </a:gs>
+            <a:gs pos="50000">
+              <a:schemeClr val="phClr">
+                <a:lumMod val="105000"/>
+                <a:satMod val="103000"/>
+                <a:tint val="73000"/>
+              </a:schemeClr>
+            </a:gs>
+            <a:gs pos="100000">
+              <a:schemeClr val="phClr">
+                <a:lumMod val="105000"/>
+                <a:satMod val="109000"/>
+                <a:tint val="81000"/>
+              </a:schemeClr>
+            </a:gs>
+          </a:gsLst>
+          <a:lin ang="5400000" scaled="0"/>
+        </a:gradFill>
+        <a:gradFill rotWithShape="1">
+          <a:gsLst>
+            <a:gs pos="0">
+              <a:schemeClr val="phClr">
+                <a:satMod val="103000"/>
+                <a:lumMod val="102000"/>
+                <a:tint val="94000"/>
+              </a:schemeClr>
+            </a:gs>
+            <a:gs pos="50000">
+              <a:schemeClr val="phClr">
+                <a:satMod val="110000"/>
+                <a:lumMod val="100000"/>
+                <a:shade val="100000"/>
+              </a:schemeClr>
+            </a:gs>
+            <a:gs pos="100000">
+              <a:schemeClr val="phClr">
+                <a:lumMod val="99000"/>
+                <a:satMod val="120000"/>
+                <a:shade val="78000"/>
+              </a:schemeClr>
+            </a:gs>
+          </a:gsLst>
+          <a:lin ang="5400000" scaled="0"/>
+        </a:gradFill>
+      </a:fillStyleLst>
+      <a:lnStyleLst>
+        <a:ln w="6350" cap="flat" cmpd="sng" algn="ctr">
+          <a:solidFill>
+            <a:schemeClr val="phClr"/>
+          </a:solidFill>
+          <a:prstDash val="solid"/>
+          <a:miter lim="800000"/>
+        </a:ln>
+        <a:ln w="12700" cap="flat" cmpd="sng" algn="ctr">
+          <a:solidFill>
+            <a:schemeClr val="phClr"/>
+          </a:solidFill>
+          <a:prstDash val="solid"/>
+          <a:miter lim="800000"/>
+        </a:ln>
+        <a:ln w="19050" cap="flat" cmpd="sng" algn="ctr">
+          <a:solidFill>
+            <a:schemeClr val="phClr"/>
+          </a:solidFill>
+          <a:prstDash val="solid"/>
+          <a:miter lim="800000"/>
+        </a:ln>
+      </a:lnStyleLst>
+      <a:effectStyleLst>
+        <a:effectStyle>
+          <a:effectLst/>
+        </a:effectStyle>
+        <a:effectStyle>
+          <a:effectLst/>
+        </a:effectStyle>
+        <a:effectStyle>
+          <a:effectLst>
+            <a:outerShdw blurRad="57150" dist="19050" dir="5400000" algn="ctr" rotWithShape="0">
+              <a:srgbClr val="000000">
+                <a:alpha val="63000"/>
+              </a:srgbClr>
+            </a:outerShdw>
+          </a:effectLst>
+        </a:effectStyle>
+      </a:effectStyleLst>
+      <a:bgFillStyleLst>
+        <a:solidFill>
+          <a:schemeClr val="phClr"/>
+        </a:solidFill>
+        <a:solidFill>
+          <a:schemeClr val="phClr">
+            <a:tint val="95000"/>
+            <a:satMod val="170000"/>
+          </a:schemeClr>
+        </a:solidFill>
+        <a:gradFill rotWithShape="1">
+          <a:gsLst>
+            <a:gs pos="0">
+              <a:schemeClr val="phClr">
+                <a:tint val="93000"/>
+                <a:satMod val="150000"/>
+                <a:shade val="98000"/>
+                <a:lumMod val="102000"/>
+              </a:schemeClr>
+            </a:gs>
+            <a:gs pos="50000">
+              <a:schemeClr val="phClr">
+                <a:tint val="98000"/>
+                <a:satMod val="130000"/>
+                <a:shade val="90000"/>
+                <a:lumMod val="103000"/>
+              </a:schemeClr>
+            </a:gs>
+            <a:gs pos="100000">
+              <a:schemeClr val="phClr">
+                <a:shade val="63000"/>
+                <a:satMod val="120000"/>
+              </a:schemeClr>
+            </a:gs>
+          </a:gsLst>
+          <a:lin ang="5400000" scaled="0"/>
+        </a:gradFill>
+      </a:bgFillStyleLst>
+    </a:fmtScheme>
+  </a:themeElements>
+  <a:objectDefaults/>
+  <a:extraClrSchemeLst/>
+  <a:extLst>
+    <a:ext uri="{05A4C25C-085E-4340-85A3-A5531E510DB2}">
+      <thm15:themeFamily xmlns:thm15="http://schemas.microsoft.com/office/thememl/2012/main" name="Office Theme" id="{62F939B6-93AF-4DB8-9C6B-D6C7DFDC589F}" vid="{4A3C46E8-61CC-4603-A589-7422A47A8E4A}"/>
+    </a:ext>
+  </a:extLst>
+</a:theme>
 </file>